--- a/docs/BossWiin.Qt.ChannelArchitecture.pptx
+++ b/docs/BossWiin.Qt.ChannelArchitecture.pptx
@@ -5,11 +5,11 @@
     <p:sldMasterId id="2147483648" r:id="rId1"/>
   </p:sldMasterIdLst>
   <p:sldIdLst>
-    <p:sldId id="256" r:id="rId2"/>
-    <p:sldId id="257" r:id="rId3"/>
-    <p:sldId id="259" r:id="rId4"/>
-    <p:sldId id="258" r:id="rId5"/>
-    <p:sldId id="260" r:id="rId6"/>
+    <p:sldId id="260" r:id="rId2"/>
+    <p:sldId id="256" r:id="rId3"/>
+    <p:sldId id="257" r:id="rId4"/>
+    <p:sldId id="259" r:id="rId5"/>
+    <p:sldId id="258" r:id="rId6"/>
   </p:sldIdLst>
   <p:sldSz cx="12192000" cy="6858000"/>
   <p:notesSz cx="6797675" cy="9928225"/>
@@ -108,6 +108,11 @@
       </a:defRPr>
     </a:lvl9pPr>
   </p:defaultTextStyle>
+  <p:extLst>
+    <p:ext uri="{EFAFB233-063F-42B5-8137-9DF3F51BA10A}">
+      <p15:sldGuideLst xmlns:p15="http://schemas.microsoft.com/office/powerpoint/2012/main"/>
+    </p:ext>
+  </p:extLst>
 </p:presentation>
 </file>
 
@@ -242,7 +247,7 @@
           <a:p>
             <a:fld id="{234BA06A-597F-4441-8116-681E33D2134C}" type="datetimeFigureOut">
               <a:rPr lang="zh-TW" altLang="en-US" smtClean="0"/>
-              <a:t>2014/10/16</a:t>
+              <a:t>2014/10/17</a:t>
             </a:fld>
             <a:endParaRPr lang="zh-TW" altLang="en-US"/>
           </a:p>
@@ -412,7 +417,7 @@
           <a:p>
             <a:fld id="{234BA06A-597F-4441-8116-681E33D2134C}" type="datetimeFigureOut">
               <a:rPr lang="zh-TW" altLang="en-US" smtClean="0"/>
-              <a:t>2014/10/16</a:t>
+              <a:t>2014/10/17</a:t>
             </a:fld>
             <a:endParaRPr lang="zh-TW" altLang="en-US"/>
           </a:p>
@@ -592,7 +597,7 @@
           <a:p>
             <a:fld id="{234BA06A-597F-4441-8116-681E33D2134C}" type="datetimeFigureOut">
               <a:rPr lang="zh-TW" altLang="en-US" smtClean="0"/>
-              <a:t>2014/10/16</a:t>
+              <a:t>2014/10/17</a:t>
             </a:fld>
             <a:endParaRPr lang="zh-TW" altLang="en-US"/>
           </a:p>
@@ -762,7 +767,7 @@
           <a:p>
             <a:fld id="{234BA06A-597F-4441-8116-681E33D2134C}" type="datetimeFigureOut">
               <a:rPr lang="zh-TW" altLang="en-US" smtClean="0"/>
-              <a:t>2014/10/16</a:t>
+              <a:t>2014/10/17</a:t>
             </a:fld>
             <a:endParaRPr lang="zh-TW" altLang="en-US"/>
           </a:p>
@@ -1008,7 +1013,7 @@
           <a:p>
             <a:fld id="{234BA06A-597F-4441-8116-681E33D2134C}" type="datetimeFigureOut">
               <a:rPr lang="zh-TW" altLang="en-US" smtClean="0"/>
-              <a:t>2014/10/16</a:t>
+              <a:t>2014/10/17</a:t>
             </a:fld>
             <a:endParaRPr lang="zh-TW" altLang="en-US"/>
           </a:p>
@@ -1240,7 +1245,7 @@
           <a:p>
             <a:fld id="{234BA06A-597F-4441-8116-681E33D2134C}" type="datetimeFigureOut">
               <a:rPr lang="zh-TW" altLang="en-US" smtClean="0"/>
-              <a:t>2014/10/16</a:t>
+              <a:t>2014/10/17</a:t>
             </a:fld>
             <a:endParaRPr lang="zh-TW" altLang="en-US"/>
           </a:p>
@@ -1607,7 +1612,7 @@
           <a:p>
             <a:fld id="{234BA06A-597F-4441-8116-681E33D2134C}" type="datetimeFigureOut">
               <a:rPr lang="zh-TW" altLang="en-US" smtClean="0"/>
-              <a:t>2014/10/16</a:t>
+              <a:t>2014/10/17</a:t>
             </a:fld>
             <a:endParaRPr lang="zh-TW" altLang="en-US"/>
           </a:p>
@@ -1725,7 +1730,7 @@
           <a:p>
             <a:fld id="{234BA06A-597F-4441-8116-681E33D2134C}" type="datetimeFigureOut">
               <a:rPr lang="zh-TW" altLang="en-US" smtClean="0"/>
-              <a:t>2014/10/16</a:t>
+              <a:t>2014/10/17</a:t>
             </a:fld>
             <a:endParaRPr lang="zh-TW" altLang="en-US"/>
           </a:p>
@@ -1820,7 +1825,7 @@
           <a:p>
             <a:fld id="{234BA06A-597F-4441-8116-681E33D2134C}" type="datetimeFigureOut">
               <a:rPr lang="zh-TW" altLang="en-US" smtClean="0"/>
-              <a:t>2014/10/16</a:t>
+              <a:t>2014/10/17</a:t>
             </a:fld>
             <a:endParaRPr lang="zh-TW" altLang="en-US"/>
           </a:p>
@@ -2097,7 +2102,7 @@
           <a:p>
             <a:fld id="{234BA06A-597F-4441-8116-681E33D2134C}" type="datetimeFigureOut">
               <a:rPr lang="zh-TW" altLang="en-US" smtClean="0"/>
-              <a:t>2014/10/16</a:t>
+              <a:t>2014/10/17</a:t>
             </a:fld>
             <a:endParaRPr lang="zh-TW" altLang="en-US"/>
           </a:p>
@@ -2350,7 +2355,7 @@
           <a:p>
             <a:fld id="{234BA06A-597F-4441-8116-681E33D2134C}" type="datetimeFigureOut">
               <a:rPr lang="zh-TW" altLang="en-US" smtClean="0"/>
-              <a:t>2014/10/16</a:t>
+              <a:t>2014/10/17</a:t>
             </a:fld>
             <a:endParaRPr lang="zh-TW" altLang="en-US"/>
           </a:p>
@@ -2563,7 +2568,7 @@
           <a:p>
             <a:fld id="{234BA06A-597F-4441-8116-681E33D2134C}" type="datetimeFigureOut">
               <a:rPr lang="zh-TW" altLang="en-US" smtClean="0"/>
-              <a:t>2014/10/16</a:t>
+              <a:t>2014/10/17</a:t>
             </a:fld>
             <a:endParaRPr lang="zh-TW" altLang="en-US"/>
           </a:p>
@@ -2968,6 +2973,3060 @@
           <a:chExt cx="0" cy="0"/>
         </a:xfrm>
       </p:grpSpPr>
+      <p:sp>
+        <p:nvSpPr>
+          <p:cNvPr id="77" name="矩形 76"/>
+          <p:cNvSpPr/>
+          <p:nvPr/>
+        </p:nvSpPr>
+        <p:spPr>
+          <a:xfrm>
+            <a:off x="-1592" y="-77474"/>
+            <a:ext cx="4955203" cy="461665"/>
+          </a:xfrm>
+          <a:prstGeom prst="rect">
+            <a:avLst/>
+          </a:prstGeom>
+        </p:spPr>
+        <p:txBody>
+          <a:bodyPr wrap="none">
+            <a:spAutoFit/>
+          </a:bodyPr>
+          <a:lstStyle/>
+          <a:p>
+            <a:r>
+              <a:rPr lang="en-US" altLang="zh-TW" sz="2400" b="1" i="1" dirty="0" smtClean="0">
+                <a:latin typeface="Ubuntu Mono" panose="020B0509030602030204" pitchFamily="49" charset="0"/>
+              </a:rPr>
+              <a:t>Signal/Slot Message Flow Chart</a:t>
+            </a:r>
+            <a:endParaRPr lang="zh-TW" altLang="en-US" sz="2400" b="1" i="1" dirty="0">
+              <a:latin typeface="Ubuntu Mono" panose="020B0509030602030204" pitchFamily="49" charset="0"/>
+            </a:endParaRPr>
+          </a:p>
+        </p:txBody>
+      </p:sp>
+      <p:grpSp>
+        <p:nvGrpSpPr>
+          <p:cNvPr id="10" name="群組 9"/>
+          <p:cNvGrpSpPr/>
+          <p:nvPr/>
+        </p:nvGrpSpPr>
+        <p:grpSpPr>
+          <a:xfrm>
+            <a:off x="-18764" y="244588"/>
+            <a:ext cx="12220285" cy="6652080"/>
+            <a:chOff x="-18764" y="244588"/>
+            <a:chExt cx="12220285" cy="6652080"/>
+          </a:xfrm>
+        </p:grpSpPr>
+        <p:sp>
+          <p:nvSpPr>
+            <p:cNvPr id="55" name="矩形 54"/>
+            <p:cNvSpPr/>
+            <p:nvPr/>
+          </p:nvSpPr>
+          <p:spPr>
+            <a:xfrm>
+              <a:off x="0" y="341049"/>
+              <a:ext cx="12192000" cy="4588234"/>
+            </a:xfrm>
+            <a:prstGeom prst="rect">
+              <a:avLst/>
+            </a:prstGeom>
+          </p:spPr>
+          <p:style>
+            <a:lnRef idx="3">
+              <a:schemeClr val="lt1"/>
+            </a:lnRef>
+            <a:fillRef idx="1003">
+              <a:schemeClr val="dk2"/>
+            </a:fillRef>
+            <a:effectRef idx="1">
+              <a:schemeClr val="accent1"/>
+            </a:effectRef>
+            <a:fontRef idx="minor">
+              <a:schemeClr val="lt1"/>
+            </a:fontRef>
+          </p:style>
+          <p:txBody>
+            <a:bodyPr rtlCol="0" anchor="ctr"/>
+            <a:lstStyle/>
+            <a:p>
+              <a:pPr algn="ctr"/>
+              <a:endParaRPr lang="zh-TW" altLang="en-US" dirty="0"/>
+            </a:p>
+          </p:txBody>
+        </p:sp>
+        <p:sp>
+          <p:nvSpPr>
+            <p:cNvPr id="54" name="矩形 53"/>
+            <p:cNvSpPr/>
+            <p:nvPr/>
+          </p:nvSpPr>
+          <p:spPr>
+            <a:xfrm>
+              <a:off x="-18764" y="4946468"/>
+              <a:ext cx="12210764" cy="1911531"/>
+            </a:xfrm>
+            <a:prstGeom prst="rect">
+              <a:avLst/>
+            </a:prstGeom>
+          </p:spPr>
+          <p:style>
+            <a:lnRef idx="3">
+              <a:schemeClr val="lt1"/>
+            </a:lnRef>
+            <a:fillRef idx="1003">
+              <a:schemeClr val="lt2"/>
+            </a:fillRef>
+            <a:effectRef idx="1">
+              <a:schemeClr val="accent1"/>
+            </a:effectRef>
+            <a:fontRef idx="minor">
+              <a:schemeClr val="lt1"/>
+            </a:fontRef>
+          </p:style>
+          <p:txBody>
+            <a:bodyPr rtlCol="0" anchor="ctr"/>
+            <a:lstStyle/>
+            <a:p>
+              <a:pPr algn="ctr"/>
+              <a:endParaRPr lang="zh-TW" altLang="en-US" dirty="0"/>
+            </a:p>
+          </p:txBody>
+        </p:sp>
+        <p:sp>
+          <p:nvSpPr>
+            <p:cNvPr id="65" name="矩形 64"/>
+            <p:cNvSpPr/>
+            <p:nvPr/>
+          </p:nvSpPr>
+          <p:spPr>
+            <a:xfrm>
+              <a:off x="9591852" y="323863"/>
+              <a:ext cx="2599762" cy="1998567"/>
+            </a:xfrm>
+            <a:prstGeom prst="rect">
+              <a:avLst/>
+            </a:prstGeom>
+          </p:spPr>
+          <p:style>
+            <a:lnRef idx="3">
+              <a:schemeClr val="lt1"/>
+            </a:lnRef>
+            <a:fillRef idx="1003">
+              <a:schemeClr val="dk1"/>
+            </a:fillRef>
+            <a:effectRef idx="1">
+              <a:schemeClr val="accent1"/>
+            </a:effectRef>
+            <a:fontRef idx="minor">
+              <a:schemeClr val="lt1"/>
+            </a:fontRef>
+          </p:style>
+          <p:txBody>
+            <a:bodyPr rtlCol="0" anchor="ctr"/>
+            <a:lstStyle/>
+            <a:p>
+              <a:pPr algn="ctr"/>
+              <a:endParaRPr lang="zh-TW" altLang="en-US" dirty="0"/>
+            </a:p>
+          </p:txBody>
+        </p:sp>
+        <p:sp>
+          <p:nvSpPr>
+            <p:cNvPr id="4" name="矩形 3"/>
+            <p:cNvSpPr/>
+            <p:nvPr/>
+          </p:nvSpPr>
+          <p:spPr>
+            <a:xfrm>
+              <a:off x="4843979" y="3599542"/>
+              <a:ext cx="2180929" cy="1045342"/>
+            </a:xfrm>
+            <a:prstGeom prst="rect">
+              <a:avLst/>
+            </a:prstGeom>
+          </p:spPr>
+          <p:style>
+            <a:lnRef idx="2">
+              <a:schemeClr val="accent5">
+                <a:shade val="50000"/>
+              </a:schemeClr>
+            </a:lnRef>
+            <a:fillRef idx="1">
+              <a:schemeClr val="accent5"/>
+            </a:fillRef>
+            <a:effectRef idx="0">
+              <a:schemeClr val="accent5"/>
+            </a:effectRef>
+            <a:fontRef idx="minor">
+              <a:schemeClr val="lt1"/>
+            </a:fontRef>
+          </p:style>
+          <p:txBody>
+            <a:bodyPr rtlCol="0" anchor="ctr"/>
+            <a:lstStyle/>
+            <a:p>
+              <a:pPr algn="ctr"/>
+              <a:r>
+                <a:rPr lang="en-US" altLang="zh-TW" dirty="0" err="1"/>
+                <a:t>DeviceManager</a:t>
+              </a:r>
+              <a:endParaRPr lang="zh-TW" altLang="en-US" dirty="0"/>
+            </a:p>
+          </p:txBody>
+        </p:sp>
+        <p:sp>
+          <p:nvSpPr>
+            <p:cNvPr id="5" name="矩形 4"/>
+            <p:cNvSpPr/>
+            <p:nvPr/>
+          </p:nvSpPr>
+          <p:spPr>
+            <a:xfrm>
+              <a:off x="4843980" y="5497519"/>
+              <a:ext cx="2180929" cy="1045342"/>
+            </a:xfrm>
+            <a:prstGeom prst="rect">
+              <a:avLst/>
+            </a:prstGeom>
+          </p:spPr>
+          <p:style>
+            <a:lnRef idx="2">
+              <a:schemeClr val="accent3">
+                <a:shade val="50000"/>
+              </a:schemeClr>
+            </a:lnRef>
+            <a:fillRef idx="1">
+              <a:schemeClr val="accent3"/>
+            </a:fillRef>
+            <a:effectRef idx="0">
+              <a:schemeClr val="accent3"/>
+            </a:effectRef>
+            <a:fontRef idx="minor">
+              <a:schemeClr val="lt1"/>
+            </a:fontRef>
+          </p:style>
+          <p:txBody>
+            <a:bodyPr rtlCol="0" anchor="ctr"/>
+            <a:lstStyle/>
+            <a:p>
+              <a:pPr algn="ctr"/>
+              <a:r>
+                <a:rPr lang="en-US" altLang="zh-TW" dirty="0" smtClean="0"/>
+                <a:t>UI</a:t>
+              </a:r>
+              <a:endParaRPr lang="zh-TW" altLang="en-US" dirty="0"/>
+            </a:p>
+          </p:txBody>
+        </p:sp>
+        <p:sp>
+          <p:nvSpPr>
+            <p:cNvPr id="13" name="矩形 12"/>
+            <p:cNvSpPr/>
+            <p:nvPr/>
+          </p:nvSpPr>
+          <p:spPr>
+            <a:xfrm>
+              <a:off x="4843979" y="911508"/>
+              <a:ext cx="2180929" cy="1045342"/>
+            </a:xfrm>
+            <a:prstGeom prst="rect">
+              <a:avLst/>
+            </a:prstGeom>
+          </p:spPr>
+          <p:style>
+            <a:lnRef idx="2">
+              <a:schemeClr val="accent2">
+                <a:shade val="50000"/>
+              </a:schemeClr>
+            </a:lnRef>
+            <a:fillRef idx="1">
+              <a:schemeClr val="accent2"/>
+            </a:fillRef>
+            <a:effectRef idx="0">
+              <a:schemeClr val="accent2"/>
+            </a:effectRef>
+            <a:fontRef idx="minor">
+              <a:schemeClr val="lt1"/>
+            </a:fontRef>
+          </p:style>
+          <p:txBody>
+            <a:bodyPr rtlCol="0" anchor="ctr"/>
+            <a:lstStyle/>
+            <a:p>
+              <a:pPr algn="ctr"/>
+              <a:r>
+                <a:rPr lang="en-US" altLang="zh-TW" dirty="0" smtClean="0"/>
+                <a:t>Core</a:t>
+              </a:r>
+              <a:endParaRPr lang="zh-TW" altLang="en-US" dirty="0"/>
+            </a:p>
+          </p:txBody>
+        </p:sp>
+        <p:sp>
+          <p:nvSpPr>
+            <p:cNvPr id="14" name="矩形 13"/>
+            <p:cNvSpPr/>
+            <p:nvPr/>
+          </p:nvSpPr>
+          <p:spPr>
+            <a:xfrm>
+              <a:off x="174039" y="1158251"/>
+              <a:ext cx="2180929" cy="1045342"/>
+            </a:xfrm>
+            <a:prstGeom prst="rect">
+              <a:avLst/>
+            </a:prstGeom>
+          </p:spPr>
+          <p:style>
+            <a:lnRef idx="3">
+              <a:schemeClr val="lt1"/>
+            </a:lnRef>
+            <a:fillRef idx="1">
+              <a:schemeClr val="accent6"/>
+            </a:fillRef>
+            <a:effectRef idx="1">
+              <a:schemeClr val="accent6"/>
+            </a:effectRef>
+            <a:fontRef idx="minor">
+              <a:schemeClr val="lt1"/>
+            </a:fontRef>
+          </p:style>
+          <p:txBody>
+            <a:bodyPr rtlCol="0" anchor="ctr"/>
+            <a:lstStyle/>
+            <a:p>
+              <a:pPr algn="ctr"/>
+              <a:r>
+                <a:rPr lang="en-US" altLang="zh-TW" dirty="0" smtClean="0"/>
+                <a:t>Sensor</a:t>
+              </a:r>
+              <a:endParaRPr lang="zh-TW" altLang="en-US" dirty="0"/>
+            </a:p>
+          </p:txBody>
+        </p:sp>
+        <p:sp>
+          <p:nvSpPr>
+            <p:cNvPr id="15" name="矩形 14"/>
+            <p:cNvSpPr/>
+            <p:nvPr/>
+          </p:nvSpPr>
+          <p:spPr>
+            <a:xfrm>
+              <a:off x="9753595" y="1158251"/>
+              <a:ext cx="2180929" cy="1045342"/>
+            </a:xfrm>
+            <a:prstGeom prst="rect">
+              <a:avLst/>
+            </a:prstGeom>
+          </p:spPr>
+          <p:style>
+            <a:lnRef idx="3">
+              <a:schemeClr val="lt1"/>
+            </a:lnRef>
+            <a:fillRef idx="1">
+              <a:schemeClr val="accent6"/>
+            </a:fillRef>
+            <a:effectRef idx="1">
+              <a:schemeClr val="accent6"/>
+            </a:effectRef>
+            <a:fontRef idx="minor">
+              <a:schemeClr val="lt1"/>
+            </a:fontRef>
+          </p:style>
+          <p:txBody>
+            <a:bodyPr rtlCol="0" anchor="ctr"/>
+            <a:lstStyle/>
+            <a:p>
+              <a:pPr algn="ctr"/>
+              <a:r>
+                <a:rPr lang="en-US" altLang="zh-TW" dirty="0" err="1" smtClean="0"/>
+                <a:t>Tranceiver</a:t>
+              </a:r>
+              <a:endParaRPr lang="zh-TW" altLang="en-US" dirty="0"/>
+            </a:p>
+          </p:txBody>
+        </p:sp>
+        <p:cxnSp>
+          <p:nvCxnSpPr>
+            <p:cNvPr id="27" name="肘形接點 26"/>
+            <p:cNvCxnSpPr>
+              <a:stCxn id="4" idx="1"/>
+              <a:endCxn id="13" idx="2"/>
+            </p:cNvCxnSpPr>
+            <p:nvPr/>
+          </p:nvCxnSpPr>
+          <p:spPr>
+            <a:xfrm rot="10800000" flipH="1">
+              <a:off x="4843978" y="1956851"/>
+              <a:ext cx="1090465" cy="2165363"/>
+            </a:xfrm>
+            <a:prstGeom prst="bentConnector4">
+              <a:avLst>
+                <a:gd name="adj1" fmla="val -20964"/>
+                <a:gd name="adj2" fmla="val 62069"/>
+              </a:avLst>
+            </a:prstGeom>
+            <a:ln>
+              <a:tailEnd type="triangle"/>
+            </a:ln>
+          </p:spPr>
+          <p:style>
+            <a:lnRef idx="1">
+              <a:schemeClr val="accent1"/>
+            </a:lnRef>
+            <a:fillRef idx="0">
+              <a:schemeClr val="accent1"/>
+            </a:fillRef>
+            <a:effectRef idx="0">
+              <a:schemeClr val="accent1"/>
+            </a:effectRef>
+            <a:fontRef idx="minor">
+              <a:schemeClr val="tx1"/>
+            </a:fontRef>
+          </p:style>
+        </p:cxnSp>
+        <p:cxnSp>
+          <p:nvCxnSpPr>
+            <p:cNvPr id="29" name="肘形接點 28"/>
+            <p:cNvCxnSpPr>
+              <a:stCxn id="13" idx="2"/>
+              <a:endCxn id="4" idx="3"/>
+            </p:cNvCxnSpPr>
+            <p:nvPr/>
+          </p:nvCxnSpPr>
+          <p:spPr>
+            <a:xfrm rot="16200000" flipH="1">
+              <a:off x="5396995" y="2494299"/>
+              <a:ext cx="2165363" cy="1090464"/>
+            </a:xfrm>
+            <a:prstGeom prst="bentConnector4">
+              <a:avLst>
+                <a:gd name="adj1" fmla="val 37931"/>
+                <a:gd name="adj2" fmla="val 120964"/>
+              </a:avLst>
+            </a:prstGeom>
+            <a:ln>
+              <a:prstDash val="dash"/>
+              <a:tailEnd type="triangle"/>
+            </a:ln>
+          </p:spPr>
+          <p:style>
+            <a:lnRef idx="1">
+              <a:schemeClr val="accent1"/>
+            </a:lnRef>
+            <a:fillRef idx="0">
+              <a:schemeClr val="accent1"/>
+            </a:fillRef>
+            <a:effectRef idx="0">
+              <a:schemeClr val="accent1"/>
+            </a:effectRef>
+            <a:fontRef idx="minor">
+              <a:schemeClr val="tx1"/>
+            </a:fontRef>
+          </p:style>
+        </p:cxnSp>
+        <p:cxnSp>
+          <p:nvCxnSpPr>
+            <p:cNvPr id="31" name="肘形接點 30"/>
+            <p:cNvCxnSpPr>
+              <a:stCxn id="5" idx="1"/>
+              <a:endCxn id="4" idx="2"/>
+            </p:cNvCxnSpPr>
+            <p:nvPr/>
+          </p:nvCxnSpPr>
+          <p:spPr>
+            <a:xfrm rot="10800000" flipH="1">
+              <a:off x="4843980" y="4644884"/>
+              <a:ext cx="1090464" cy="1375306"/>
+            </a:xfrm>
+            <a:prstGeom prst="bentConnector4">
+              <a:avLst>
+                <a:gd name="adj1" fmla="val -20964"/>
+                <a:gd name="adj2" fmla="val 69002"/>
+              </a:avLst>
+            </a:prstGeom>
+            <a:ln>
+              <a:tailEnd type="triangle"/>
+            </a:ln>
+          </p:spPr>
+          <p:style>
+            <a:lnRef idx="1">
+              <a:schemeClr val="accent1"/>
+            </a:lnRef>
+            <a:fillRef idx="0">
+              <a:schemeClr val="accent1"/>
+            </a:fillRef>
+            <a:effectRef idx="0">
+              <a:schemeClr val="accent1"/>
+            </a:effectRef>
+            <a:fontRef idx="minor">
+              <a:schemeClr val="tx1"/>
+            </a:fontRef>
+          </p:style>
+        </p:cxnSp>
+        <p:cxnSp>
+          <p:nvCxnSpPr>
+            <p:cNvPr id="33" name="肘形接點 32"/>
+            <p:cNvCxnSpPr>
+              <a:stCxn id="4" idx="2"/>
+              <a:endCxn id="5" idx="3"/>
+            </p:cNvCxnSpPr>
+            <p:nvPr/>
+          </p:nvCxnSpPr>
+          <p:spPr>
+            <a:xfrm rot="16200000" flipH="1">
+              <a:off x="5792023" y="4787304"/>
+              <a:ext cx="1375306" cy="1090465"/>
+            </a:xfrm>
+            <a:prstGeom prst="bentConnector4">
+              <a:avLst>
+                <a:gd name="adj1" fmla="val 30998"/>
+                <a:gd name="adj2" fmla="val 120964"/>
+              </a:avLst>
+            </a:prstGeom>
+            <a:ln>
+              <a:prstDash val="dash"/>
+              <a:tailEnd type="triangle"/>
+            </a:ln>
+          </p:spPr>
+          <p:style>
+            <a:lnRef idx="1">
+              <a:schemeClr val="accent1"/>
+            </a:lnRef>
+            <a:fillRef idx="0">
+              <a:schemeClr val="accent1"/>
+            </a:fillRef>
+            <a:effectRef idx="0">
+              <a:schemeClr val="accent1"/>
+            </a:effectRef>
+            <a:fontRef idx="minor">
+              <a:schemeClr val="tx1"/>
+            </a:fontRef>
+          </p:style>
+        </p:cxnSp>
+        <p:cxnSp>
+          <p:nvCxnSpPr>
+            <p:cNvPr id="39" name="肘形接點 38"/>
+            <p:cNvCxnSpPr>
+              <a:stCxn id="13" idx="0"/>
+              <a:endCxn id="15" idx="0"/>
+            </p:cNvCxnSpPr>
+            <p:nvPr/>
+          </p:nvCxnSpPr>
+          <p:spPr>
+            <a:xfrm rot="16200000" flipH="1">
+              <a:off x="8265880" y="-1419929"/>
+              <a:ext cx="246743" cy="4909616"/>
+            </a:xfrm>
+            <a:prstGeom prst="bentConnector3">
+              <a:avLst>
+                <a:gd name="adj1" fmla="val -92647"/>
+              </a:avLst>
+            </a:prstGeom>
+            <a:ln>
+              <a:tailEnd type="triangle"/>
+            </a:ln>
+          </p:spPr>
+          <p:style>
+            <a:lnRef idx="1">
+              <a:schemeClr val="accent1"/>
+            </a:lnRef>
+            <a:fillRef idx="0">
+              <a:schemeClr val="accent1"/>
+            </a:fillRef>
+            <a:effectRef idx="0">
+              <a:schemeClr val="accent1"/>
+            </a:effectRef>
+            <a:fontRef idx="minor">
+              <a:schemeClr val="tx1"/>
+            </a:fontRef>
+          </p:style>
+        </p:cxnSp>
+        <p:cxnSp>
+          <p:nvCxnSpPr>
+            <p:cNvPr id="45" name="肘形接點 44"/>
+            <p:cNvCxnSpPr>
+              <a:stCxn id="13" idx="0"/>
+              <a:endCxn id="14" idx="0"/>
+            </p:cNvCxnSpPr>
+            <p:nvPr/>
+          </p:nvCxnSpPr>
+          <p:spPr>
+            <a:xfrm rot="16200000" flipH="1" flipV="1">
+              <a:off x="3476102" y="-1300091"/>
+              <a:ext cx="246743" cy="4669940"/>
+            </a:xfrm>
+            <a:prstGeom prst="bentConnector3">
+              <a:avLst>
+                <a:gd name="adj1" fmla="val -92647"/>
+              </a:avLst>
+            </a:prstGeom>
+            <a:ln>
+              <a:tailEnd type="triangle"/>
+            </a:ln>
+          </p:spPr>
+          <p:style>
+            <a:lnRef idx="1">
+              <a:schemeClr val="accent1"/>
+            </a:lnRef>
+            <a:fillRef idx="0">
+              <a:schemeClr val="accent1"/>
+            </a:fillRef>
+            <a:effectRef idx="0">
+              <a:schemeClr val="accent1"/>
+            </a:effectRef>
+            <a:fontRef idx="minor">
+              <a:schemeClr val="tx1"/>
+            </a:fontRef>
+          </p:style>
+        </p:cxnSp>
+        <p:sp>
+          <p:nvSpPr>
+            <p:cNvPr id="46" name="矩形 45"/>
+            <p:cNvSpPr/>
+            <p:nvPr/>
+          </p:nvSpPr>
+          <p:spPr>
+            <a:xfrm>
+              <a:off x="2367588" y="3966896"/>
+              <a:ext cx="2249334" cy="307777"/>
+            </a:xfrm>
+            <a:prstGeom prst="rect">
+              <a:avLst/>
+            </a:prstGeom>
+          </p:spPr>
+          <p:txBody>
+            <a:bodyPr wrap="none">
+              <a:spAutoFit/>
+            </a:bodyPr>
+            <a:lstStyle/>
+            <a:p>
+              <a:r>
+                <a:rPr lang="en-US" altLang="zh-TW" sz="1400" dirty="0" err="1">
+                  <a:solidFill>
+                    <a:schemeClr val="accent5">
+                      <a:lumMod val="40000"/>
+                      <a:lumOff val="60000"/>
+                    </a:schemeClr>
+                  </a:solidFill>
+                  <a:latin typeface="Ubuntu Mono" panose="020B0509030602030204" pitchFamily="49" charset="0"/>
+                </a:rPr>
+                <a:t>DeviceManagerCoreSignal</a:t>
+              </a:r>
+              <a:endParaRPr lang="zh-TW" altLang="en-US" sz="1400" dirty="0">
+                <a:solidFill>
+                  <a:schemeClr val="accent5">
+                    <a:lumMod val="40000"/>
+                    <a:lumOff val="60000"/>
+                  </a:schemeClr>
+                </a:solidFill>
+                <a:latin typeface="Ubuntu Mono" panose="020B0509030602030204" pitchFamily="49" charset="0"/>
+              </a:endParaRPr>
+            </a:p>
+          </p:txBody>
+        </p:sp>
+        <p:sp>
+          <p:nvSpPr>
+            <p:cNvPr id="47" name="矩形 46"/>
+            <p:cNvSpPr/>
+            <p:nvPr/>
+          </p:nvSpPr>
+          <p:spPr>
+            <a:xfrm>
+              <a:off x="1739211" y="2639597"/>
+              <a:ext cx="2877711" cy="307777"/>
+            </a:xfrm>
+            <a:prstGeom prst="rect">
+              <a:avLst/>
+            </a:prstGeom>
+          </p:spPr>
+          <p:txBody>
+            <a:bodyPr wrap="none">
+              <a:spAutoFit/>
+            </a:bodyPr>
+            <a:lstStyle/>
+            <a:p>
+              <a:r>
+                <a:rPr lang="en-US" altLang="zh-TW" sz="1400" dirty="0" err="1">
+                  <a:solidFill>
+                    <a:schemeClr val="accent2">
+                      <a:lumMod val="60000"/>
+                      <a:lumOff val="40000"/>
+                    </a:schemeClr>
+                  </a:solidFill>
+                  <a:latin typeface="Ubuntu Mono" panose="020B0509030602030204" pitchFamily="49" charset="0"/>
+                </a:rPr>
+                <a:t>CoreDeviceManagerCollectionBus</a:t>
+              </a:r>
+              <a:endParaRPr lang="zh-TW" altLang="en-US" sz="1400" dirty="0">
+                <a:solidFill>
+                  <a:schemeClr val="accent2">
+                    <a:lumMod val="60000"/>
+                    <a:lumOff val="40000"/>
+                  </a:schemeClr>
+                </a:solidFill>
+                <a:latin typeface="Ubuntu Mono" panose="020B0509030602030204" pitchFamily="49" charset="0"/>
+              </a:endParaRPr>
+            </a:p>
+          </p:txBody>
+        </p:sp>
+        <p:cxnSp>
+          <p:nvCxnSpPr>
+            <p:cNvPr id="51" name="肘形接點 50"/>
+            <p:cNvCxnSpPr>
+              <a:stCxn id="14" idx="3"/>
+              <a:endCxn id="13" idx="1"/>
+            </p:cNvCxnSpPr>
+            <p:nvPr/>
+          </p:nvCxnSpPr>
+          <p:spPr>
+            <a:xfrm flipV="1">
+              <a:off x="2354968" y="1434179"/>
+              <a:ext cx="2489011" cy="246743"/>
+            </a:xfrm>
+            <a:prstGeom prst="bentConnector3">
+              <a:avLst/>
+            </a:prstGeom>
+            <a:ln>
+              <a:prstDash val="dash"/>
+              <a:tailEnd type="triangle"/>
+            </a:ln>
+          </p:spPr>
+          <p:style>
+            <a:lnRef idx="1">
+              <a:schemeClr val="accent1"/>
+            </a:lnRef>
+            <a:fillRef idx="0">
+              <a:schemeClr val="accent1"/>
+            </a:fillRef>
+            <a:effectRef idx="0">
+              <a:schemeClr val="accent1"/>
+            </a:effectRef>
+            <a:fontRef idx="minor">
+              <a:schemeClr val="tx1"/>
+            </a:fontRef>
+          </p:style>
+        </p:cxnSp>
+        <p:cxnSp>
+          <p:nvCxnSpPr>
+            <p:cNvPr id="53" name="肘形接點 52"/>
+            <p:cNvCxnSpPr>
+              <a:stCxn id="15" idx="1"/>
+              <a:endCxn id="13" idx="3"/>
+            </p:cNvCxnSpPr>
+            <p:nvPr/>
+          </p:nvCxnSpPr>
+          <p:spPr>
+            <a:xfrm rot="10800000">
+              <a:off x="7024909" y="1434180"/>
+              <a:ext cx="2728687" cy="246743"/>
+            </a:xfrm>
+            <a:prstGeom prst="bentConnector3">
+              <a:avLst/>
+            </a:prstGeom>
+            <a:ln>
+              <a:prstDash val="dash"/>
+              <a:tailEnd type="triangle"/>
+            </a:ln>
+          </p:spPr>
+          <p:style>
+            <a:lnRef idx="1">
+              <a:schemeClr val="accent1"/>
+            </a:lnRef>
+            <a:fillRef idx="0">
+              <a:schemeClr val="accent1"/>
+            </a:fillRef>
+            <a:effectRef idx="0">
+              <a:schemeClr val="accent1"/>
+            </a:effectRef>
+            <a:fontRef idx="minor">
+              <a:schemeClr val="tx1"/>
+            </a:fontRef>
+          </p:style>
+        </p:cxnSp>
+        <p:sp>
+          <p:nvSpPr>
+            <p:cNvPr id="56" name="矩形 55"/>
+            <p:cNvSpPr/>
+            <p:nvPr/>
+          </p:nvSpPr>
+          <p:spPr>
+            <a:xfrm>
+              <a:off x="7342518" y="2639596"/>
+              <a:ext cx="2249334" cy="307777"/>
+            </a:xfrm>
+            <a:prstGeom prst="rect">
+              <a:avLst/>
+            </a:prstGeom>
+          </p:spPr>
+          <p:txBody>
+            <a:bodyPr wrap="none">
+              <a:spAutoFit/>
+            </a:bodyPr>
+            <a:lstStyle/>
+            <a:p>
+              <a:r>
+                <a:rPr lang="en-US" altLang="zh-TW" sz="1400" dirty="0" err="1">
+                  <a:solidFill>
+                    <a:schemeClr val="accent5">
+                      <a:lumMod val="40000"/>
+                      <a:lumOff val="60000"/>
+                    </a:schemeClr>
+                  </a:solidFill>
+                  <a:latin typeface="Ubuntu Mono" panose="020B0509030602030204" pitchFamily="49" charset="0"/>
+                </a:rPr>
+                <a:t>CoreDeviceManagerSignal</a:t>
+              </a:r>
+              <a:endParaRPr lang="zh-TW" altLang="en-US" sz="1400" dirty="0">
+                <a:solidFill>
+                  <a:schemeClr val="accent5">
+                    <a:lumMod val="40000"/>
+                    <a:lumOff val="60000"/>
+                  </a:schemeClr>
+                </a:solidFill>
+                <a:latin typeface="Ubuntu Mono" panose="020B0509030602030204" pitchFamily="49" charset="0"/>
+              </a:endParaRPr>
+            </a:p>
+          </p:txBody>
+        </p:sp>
+        <p:sp>
+          <p:nvSpPr>
+            <p:cNvPr id="57" name="矩形 56"/>
+            <p:cNvSpPr/>
+            <p:nvPr/>
+          </p:nvSpPr>
+          <p:spPr>
+            <a:xfrm>
+              <a:off x="7342518" y="3958002"/>
+              <a:ext cx="2069797" cy="307777"/>
+            </a:xfrm>
+            <a:prstGeom prst="rect">
+              <a:avLst/>
+            </a:prstGeom>
+          </p:spPr>
+          <p:txBody>
+            <a:bodyPr wrap="none">
+              <a:spAutoFit/>
+            </a:bodyPr>
+            <a:lstStyle/>
+            <a:p>
+              <a:r>
+                <a:rPr lang="en-US" altLang="zh-TW" sz="1400" dirty="0" err="1">
+                  <a:solidFill>
+                    <a:schemeClr val="accent2">
+                      <a:lumMod val="60000"/>
+                      <a:lumOff val="40000"/>
+                    </a:schemeClr>
+                  </a:solidFill>
+                  <a:latin typeface="Ubuntu Mono" panose="020B0509030602030204" pitchFamily="49" charset="0"/>
+                </a:rPr>
+                <a:t>DeviceManagerCoreSlot</a:t>
+              </a:r>
+              <a:endParaRPr lang="zh-TW" altLang="en-US" sz="1400" dirty="0">
+                <a:solidFill>
+                  <a:schemeClr val="accent2">
+                    <a:lumMod val="60000"/>
+                    <a:lumOff val="40000"/>
+                  </a:schemeClr>
+                </a:solidFill>
+                <a:latin typeface="Ubuntu Mono" panose="020B0509030602030204" pitchFamily="49" charset="0"/>
+              </a:endParaRPr>
+            </a:p>
+          </p:txBody>
+        </p:sp>
+        <p:sp>
+          <p:nvSpPr>
+            <p:cNvPr id="58" name="矩形 57"/>
+            <p:cNvSpPr/>
+            <p:nvPr/>
+          </p:nvSpPr>
+          <p:spPr>
+            <a:xfrm>
+              <a:off x="-18764" y="818551"/>
+              <a:ext cx="1261884" cy="307777"/>
+            </a:xfrm>
+            <a:prstGeom prst="rect">
+              <a:avLst/>
+            </a:prstGeom>
+          </p:spPr>
+          <p:txBody>
+            <a:bodyPr wrap="none">
+              <a:spAutoFit/>
+            </a:bodyPr>
+            <a:lstStyle/>
+            <a:p>
+              <a:r>
+                <a:rPr lang="en-US" altLang="zh-TW" sz="1400" dirty="0" err="1">
+                  <a:solidFill>
+                    <a:schemeClr val="accent2">
+                      <a:lumMod val="60000"/>
+                      <a:lumOff val="40000"/>
+                    </a:schemeClr>
+                  </a:solidFill>
+                  <a:latin typeface="Ubuntu Mono" panose="020B0509030602030204" pitchFamily="49" charset="0"/>
+                </a:rPr>
+                <a:t>ReceieveData</a:t>
+              </a:r>
+              <a:endParaRPr lang="zh-TW" altLang="en-US" sz="1400" dirty="0">
+                <a:solidFill>
+                  <a:schemeClr val="accent2">
+                    <a:lumMod val="60000"/>
+                    <a:lumOff val="40000"/>
+                  </a:schemeClr>
+                </a:solidFill>
+                <a:latin typeface="Ubuntu Mono" panose="020B0509030602030204" pitchFamily="49" charset="0"/>
+              </a:endParaRPr>
+            </a:p>
+          </p:txBody>
+        </p:sp>
+        <p:sp>
+          <p:nvSpPr>
+            <p:cNvPr id="59" name="矩形 58"/>
+            <p:cNvSpPr/>
+            <p:nvPr/>
+          </p:nvSpPr>
+          <p:spPr>
+            <a:xfrm>
+              <a:off x="4499388" y="341050"/>
+              <a:ext cx="1351652" cy="307777"/>
+            </a:xfrm>
+            <a:prstGeom prst="rect">
+              <a:avLst/>
+            </a:prstGeom>
+          </p:spPr>
+          <p:txBody>
+            <a:bodyPr wrap="none">
+              <a:spAutoFit/>
+            </a:bodyPr>
+            <a:lstStyle/>
+            <a:p>
+              <a:r>
+                <a:rPr lang="en-US" altLang="zh-TW" sz="1400" dirty="0" err="1">
+                  <a:solidFill>
+                    <a:schemeClr val="accent5">
+                      <a:lumMod val="40000"/>
+                      <a:lumOff val="60000"/>
+                    </a:schemeClr>
+                  </a:solidFill>
+                  <a:latin typeface="Ubuntu Mono" panose="020B0509030602030204" pitchFamily="49" charset="0"/>
+                </a:rPr>
+                <a:t>CoreSensorBus</a:t>
+              </a:r>
+              <a:endParaRPr lang="zh-TW" altLang="en-US" sz="1400" dirty="0">
+                <a:solidFill>
+                  <a:schemeClr val="accent5">
+                    <a:lumMod val="40000"/>
+                    <a:lumOff val="60000"/>
+                  </a:schemeClr>
+                </a:solidFill>
+                <a:latin typeface="Ubuntu Mono" panose="020B0509030602030204" pitchFamily="49" charset="0"/>
+              </a:endParaRPr>
+            </a:p>
+          </p:txBody>
+        </p:sp>
+        <p:sp>
+          <p:nvSpPr>
+            <p:cNvPr id="60" name="矩形 59"/>
+            <p:cNvSpPr/>
+            <p:nvPr/>
+          </p:nvSpPr>
+          <p:spPr>
+            <a:xfrm>
+              <a:off x="2296070" y="1668171"/>
+              <a:ext cx="902811" cy="307777"/>
+            </a:xfrm>
+            <a:prstGeom prst="rect">
+              <a:avLst/>
+            </a:prstGeom>
+          </p:spPr>
+          <p:txBody>
+            <a:bodyPr wrap="none">
+              <a:spAutoFit/>
+            </a:bodyPr>
+            <a:lstStyle/>
+            <a:p>
+              <a:r>
+                <a:rPr lang="en-US" altLang="zh-TW" sz="1400" dirty="0" err="1">
+                  <a:solidFill>
+                    <a:schemeClr val="accent5">
+                      <a:lumMod val="40000"/>
+                      <a:lumOff val="60000"/>
+                    </a:schemeClr>
+                  </a:solidFill>
+                  <a:latin typeface="Ubuntu Mono" panose="020B0509030602030204" pitchFamily="49" charset="0"/>
+                </a:rPr>
+                <a:t>SendData</a:t>
+              </a:r>
+              <a:endParaRPr lang="zh-TW" altLang="en-US" sz="1400" dirty="0">
+                <a:solidFill>
+                  <a:schemeClr val="accent5">
+                    <a:lumMod val="40000"/>
+                    <a:lumOff val="60000"/>
+                  </a:schemeClr>
+                </a:solidFill>
+                <a:latin typeface="Ubuntu Mono" panose="020B0509030602030204" pitchFamily="49" charset="0"/>
+              </a:endParaRPr>
+            </a:p>
+          </p:txBody>
+        </p:sp>
+        <p:sp>
+          <p:nvSpPr>
+            <p:cNvPr id="61" name="矩形 60"/>
+            <p:cNvSpPr/>
+            <p:nvPr/>
+          </p:nvSpPr>
+          <p:spPr>
+            <a:xfrm>
+              <a:off x="3063615" y="1104216"/>
+              <a:ext cx="1800493" cy="307777"/>
+            </a:xfrm>
+            <a:prstGeom prst="rect">
+              <a:avLst/>
+            </a:prstGeom>
+          </p:spPr>
+          <p:txBody>
+            <a:bodyPr wrap="none">
+              <a:spAutoFit/>
+            </a:bodyPr>
+            <a:lstStyle/>
+            <a:p>
+              <a:r>
+                <a:rPr lang="en-US" altLang="zh-TW" sz="1400" dirty="0" err="1">
+                  <a:solidFill>
+                    <a:schemeClr val="accent2">
+                      <a:lumMod val="60000"/>
+                      <a:lumOff val="40000"/>
+                    </a:schemeClr>
+                  </a:solidFill>
+                  <a:latin typeface="Ubuntu Mono" panose="020B0509030602030204" pitchFamily="49" charset="0"/>
+                </a:rPr>
+                <a:t>CoreDataCollectBus</a:t>
+              </a:r>
+              <a:endParaRPr lang="zh-TW" altLang="en-US" sz="1400" dirty="0">
+                <a:solidFill>
+                  <a:schemeClr val="accent2">
+                    <a:lumMod val="60000"/>
+                    <a:lumOff val="40000"/>
+                  </a:schemeClr>
+                </a:solidFill>
+                <a:latin typeface="Ubuntu Mono" panose="020B0509030602030204" pitchFamily="49" charset="0"/>
+              </a:endParaRPr>
+            </a:p>
+          </p:txBody>
+        </p:sp>
+        <p:sp>
+          <p:nvSpPr>
+            <p:cNvPr id="63" name="矩形 62"/>
+            <p:cNvSpPr/>
+            <p:nvPr/>
+          </p:nvSpPr>
+          <p:spPr>
+            <a:xfrm>
+              <a:off x="7022605" y="1073231"/>
+              <a:ext cx="2339102" cy="307777"/>
+            </a:xfrm>
+            <a:prstGeom prst="rect">
+              <a:avLst/>
+            </a:prstGeom>
+          </p:spPr>
+          <p:txBody>
+            <a:bodyPr wrap="none">
+              <a:spAutoFit/>
+            </a:bodyPr>
+            <a:lstStyle/>
+            <a:p>
+              <a:r>
+                <a:rPr lang="en-US" altLang="zh-TW" sz="1400" dirty="0" err="1">
+                  <a:solidFill>
+                    <a:schemeClr val="accent2">
+                      <a:lumMod val="60000"/>
+                      <a:lumOff val="40000"/>
+                    </a:schemeClr>
+                  </a:solidFill>
+                  <a:latin typeface="Ubuntu Mono" panose="020B0509030602030204" pitchFamily="49" charset="0"/>
+                </a:rPr>
+                <a:t>CoreTrancieverCollectBus</a:t>
+              </a:r>
+              <a:endParaRPr lang="zh-TW" altLang="en-US" sz="1400" dirty="0">
+                <a:solidFill>
+                  <a:schemeClr val="accent2">
+                    <a:lumMod val="60000"/>
+                    <a:lumOff val="40000"/>
+                  </a:schemeClr>
+                </a:solidFill>
+                <a:latin typeface="Ubuntu Mono" panose="020B0509030602030204" pitchFamily="49" charset="0"/>
+              </a:endParaRPr>
+            </a:p>
+          </p:txBody>
+        </p:sp>
+        <p:sp>
+          <p:nvSpPr>
+            <p:cNvPr id="64" name="矩形 63"/>
+            <p:cNvSpPr/>
+            <p:nvPr/>
+          </p:nvSpPr>
+          <p:spPr>
+            <a:xfrm>
+              <a:off x="5934443" y="332131"/>
+              <a:ext cx="1710725" cy="307777"/>
+            </a:xfrm>
+            <a:prstGeom prst="rect">
+              <a:avLst/>
+            </a:prstGeom>
+          </p:spPr>
+          <p:txBody>
+            <a:bodyPr wrap="none">
+              <a:spAutoFit/>
+            </a:bodyPr>
+            <a:lstStyle/>
+            <a:p>
+              <a:r>
+                <a:rPr lang="en-US" altLang="zh-TW" sz="1400" dirty="0" err="1">
+                  <a:solidFill>
+                    <a:schemeClr val="accent5">
+                      <a:lumMod val="40000"/>
+                      <a:lumOff val="60000"/>
+                    </a:schemeClr>
+                  </a:solidFill>
+                  <a:latin typeface="Ubuntu Mono" panose="020B0509030602030204" pitchFamily="49" charset="0"/>
+                </a:rPr>
+                <a:t>CoreTrancieverBus</a:t>
+              </a:r>
+              <a:endParaRPr lang="zh-TW" altLang="en-US" sz="1400" dirty="0">
+                <a:solidFill>
+                  <a:schemeClr val="accent5">
+                    <a:lumMod val="40000"/>
+                    <a:lumOff val="60000"/>
+                  </a:schemeClr>
+                </a:solidFill>
+                <a:latin typeface="Ubuntu Mono" panose="020B0509030602030204" pitchFamily="49" charset="0"/>
+              </a:endParaRPr>
+            </a:p>
+          </p:txBody>
+        </p:sp>
+        <p:sp>
+          <p:nvSpPr>
+            <p:cNvPr id="66" name="矩形 65"/>
+            <p:cNvSpPr/>
+            <p:nvPr/>
+          </p:nvSpPr>
+          <p:spPr>
+            <a:xfrm>
+              <a:off x="10844059" y="818551"/>
+              <a:ext cx="1261884" cy="307777"/>
+            </a:xfrm>
+            <a:prstGeom prst="rect">
+              <a:avLst/>
+            </a:prstGeom>
+          </p:spPr>
+          <p:txBody>
+            <a:bodyPr wrap="none">
+              <a:spAutoFit/>
+            </a:bodyPr>
+            <a:lstStyle/>
+            <a:p>
+              <a:r>
+                <a:rPr lang="en-US" altLang="zh-TW" sz="1400" dirty="0" err="1">
+                  <a:solidFill>
+                    <a:schemeClr val="accent2">
+                      <a:lumMod val="60000"/>
+                      <a:lumOff val="40000"/>
+                    </a:schemeClr>
+                  </a:solidFill>
+                  <a:latin typeface="Ubuntu Mono" panose="020B0509030602030204" pitchFamily="49" charset="0"/>
+                </a:rPr>
+                <a:t>ReceieveData</a:t>
+              </a:r>
+              <a:endParaRPr lang="zh-TW" altLang="en-US" sz="1400" dirty="0">
+                <a:solidFill>
+                  <a:schemeClr val="accent2">
+                    <a:lumMod val="60000"/>
+                    <a:lumOff val="40000"/>
+                  </a:schemeClr>
+                </a:solidFill>
+                <a:latin typeface="Ubuntu Mono" panose="020B0509030602030204" pitchFamily="49" charset="0"/>
+              </a:endParaRPr>
+            </a:p>
+          </p:txBody>
+        </p:sp>
+        <p:sp>
+          <p:nvSpPr>
+            <p:cNvPr id="67" name="矩形 66"/>
+            <p:cNvSpPr/>
+            <p:nvPr/>
+          </p:nvSpPr>
+          <p:spPr>
+            <a:xfrm>
+              <a:off x="2564574" y="5926888"/>
+              <a:ext cx="2069797" cy="307777"/>
+            </a:xfrm>
+            <a:prstGeom prst="rect">
+              <a:avLst/>
+            </a:prstGeom>
+          </p:spPr>
+          <p:txBody>
+            <a:bodyPr wrap="none">
+              <a:spAutoFit/>
+            </a:bodyPr>
+            <a:lstStyle/>
+            <a:p>
+              <a:r>
+                <a:rPr lang="en-US" altLang="zh-TW" sz="1400" dirty="0" err="1">
+                  <a:solidFill>
+                    <a:srgbClr val="7030A0"/>
+                  </a:solidFill>
+                  <a:latin typeface="Ubuntu Mono" panose="020B0509030602030204" pitchFamily="49" charset="0"/>
+                </a:rPr>
+                <a:t>UIDeviceManagerSignal</a:t>
+              </a:r>
+              <a:endParaRPr lang="zh-TW" altLang="en-US" sz="1400" dirty="0">
+                <a:solidFill>
+                  <a:srgbClr val="7030A0"/>
+                </a:solidFill>
+                <a:latin typeface="Ubuntu Mono" panose="020B0509030602030204" pitchFamily="49" charset="0"/>
+              </a:endParaRPr>
+            </a:p>
+          </p:txBody>
+        </p:sp>
+        <p:sp>
+          <p:nvSpPr>
+            <p:cNvPr id="68" name="矩形 67"/>
+            <p:cNvSpPr/>
+            <p:nvPr/>
+          </p:nvSpPr>
+          <p:spPr>
+            <a:xfrm>
+              <a:off x="2726661" y="4903931"/>
+              <a:ext cx="1890261" cy="307777"/>
+            </a:xfrm>
+            <a:prstGeom prst="rect">
+              <a:avLst/>
+            </a:prstGeom>
+          </p:spPr>
+          <p:txBody>
+            <a:bodyPr wrap="none">
+              <a:spAutoFit/>
+            </a:bodyPr>
+            <a:lstStyle/>
+            <a:p>
+              <a:r>
+                <a:rPr lang="en-US" altLang="zh-TW" sz="1400" dirty="0" err="1">
+                  <a:solidFill>
+                    <a:schemeClr val="accent2">
+                      <a:lumMod val="50000"/>
+                    </a:schemeClr>
+                  </a:solidFill>
+                  <a:latin typeface="Ubuntu Mono" panose="020B0509030602030204" pitchFamily="49" charset="0"/>
+                </a:rPr>
+                <a:t>DeviceManagerUISlot</a:t>
+              </a:r>
+              <a:endParaRPr lang="zh-TW" altLang="en-US" sz="1400" dirty="0">
+                <a:solidFill>
+                  <a:schemeClr val="accent2">
+                    <a:lumMod val="50000"/>
+                  </a:schemeClr>
+                </a:solidFill>
+                <a:latin typeface="Ubuntu Mono" panose="020B0509030602030204" pitchFamily="49" charset="0"/>
+              </a:endParaRPr>
+            </a:p>
+          </p:txBody>
+        </p:sp>
+        <p:sp>
+          <p:nvSpPr>
+            <p:cNvPr id="69" name="矩形 68"/>
+            <p:cNvSpPr/>
+            <p:nvPr/>
+          </p:nvSpPr>
+          <p:spPr>
+            <a:xfrm>
+              <a:off x="7268715" y="4896763"/>
+              <a:ext cx="2069797" cy="307777"/>
+            </a:xfrm>
+            <a:prstGeom prst="rect">
+              <a:avLst/>
+            </a:prstGeom>
+          </p:spPr>
+          <p:txBody>
+            <a:bodyPr wrap="none">
+              <a:spAutoFit/>
+            </a:bodyPr>
+            <a:lstStyle/>
+            <a:p>
+              <a:r>
+                <a:rPr lang="en-US" altLang="zh-TW" sz="1400" dirty="0" err="1">
+                  <a:solidFill>
+                    <a:srgbClr val="7030A0"/>
+                  </a:solidFill>
+                  <a:latin typeface="Ubuntu Mono" panose="020B0509030602030204" pitchFamily="49" charset="0"/>
+                </a:rPr>
+                <a:t>DeviceManagerUISignal</a:t>
+              </a:r>
+              <a:endParaRPr lang="zh-TW" altLang="en-US" sz="1400" dirty="0">
+                <a:solidFill>
+                  <a:srgbClr val="7030A0"/>
+                </a:solidFill>
+                <a:latin typeface="Ubuntu Mono" panose="020B0509030602030204" pitchFamily="49" charset="0"/>
+              </a:endParaRPr>
+            </a:p>
+          </p:txBody>
+        </p:sp>
+        <p:sp>
+          <p:nvSpPr>
+            <p:cNvPr id="70" name="矩形 69"/>
+            <p:cNvSpPr/>
+            <p:nvPr/>
+          </p:nvSpPr>
+          <p:spPr>
+            <a:xfrm>
+              <a:off x="7336268" y="5880918"/>
+              <a:ext cx="1890261" cy="307777"/>
+            </a:xfrm>
+            <a:prstGeom prst="rect">
+              <a:avLst/>
+            </a:prstGeom>
+          </p:spPr>
+          <p:txBody>
+            <a:bodyPr wrap="none">
+              <a:spAutoFit/>
+            </a:bodyPr>
+            <a:lstStyle/>
+            <a:p>
+              <a:r>
+                <a:rPr lang="en-US" altLang="zh-TW" sz="1400" dirty="0" err="1">
+                  <a:solidFill>
+                    <a:schemeClr val="accent2">
+                      <a:lumMod val="50000"/>
+                    </a:schemeClr>
+                  </a:solidFill>
+                  <a:latin typeface="Ubuntu Mono" panose="020B0509030602030204" pitchFamily="49" charset="0"/>
+                </a:rPr>
+                <a:t>UIDeviceManagerSlot</a:t>
+              </a:r>
+              <a:endParaRPr lang="zh-TW" altLang="en-US" sz="1400" dirty="0">
+                <a:solidFill>
+                  <a:schemeClr val="accent2">
+                    <a:lumMod val="50000"/>
+                  </a:schemeClr>
+                </a:solidFill>
+                <a:latin typeface="Ubuntu Mono" panose="020B0509030602030204" pitchFamily="49" charset="0"/>
+              </a:endParaRPr>
+            </a:p>
+          </p:txBody>
+        </p:sp>
+        <p:sp>
+          <p:nvSpPr>
+            <p:cNvPr id="71" name="矩形 70"/>
+            <p:cNvSpPr/>
+            <p:nvPr/>
+          </p:nvSpPr>
+          <p:spPr>
+            <a:xfrm>
+              <a:off x="6395473" y="1265697"/>
+              <a:ext cx="633507" cy="307777"/>
+            </a:xfrm>
+            <a:prstGeom prst="rect">
+              <a:avLst/>
+            </a:prstGeom>
+          </p:spPr>
+          <p:style>
+            <a:lnRef idx="1">
+              <a:schemeClr val="accent3"/>
+            </a:lnRef>
+            <a:fillRef idx="3">
+              <a:schemeClr val="accent3"/>
+            </a:fillRef>
+            <a:effectRef idx="2">
+              <a:schemeClr val="accent3"/>
+            </a:effectRef>
+            <a:fontRef idx="minor">
+              <a:schemeClr val="lt1"/>
+            </a:fontRef>
+          </p:style>
+          <p:txBody>
+            <a:bodyPr wrap="none">
+              <a:spAutoFit/>
+            </a:bodyPr>
+            <a:lstStyle/>
+            <a:p>
+              <a:r>
+                <a:rPr lang="en-US" altLang="zh-TW" sz="1400" dirty="0">
+                  <a:solidFill>
+                    <a:srgbClr val="7030A0"/>
+                  </a:solidFill>
+                  <a:latin typeface="Ubuntu Mono" panose="020B0509030602030204" pitchFamily="49" charset="0"/>
+                </a:rPr>
+                <a:t>parse</a:t>
+              </a:r>
+              <a:endParaRPr lang="zh-TW" altLang="en-US" sz="1400" dirty="0">
+                <a:solidFill>
+                  <a:srgbClr val="7030A0"/>
+                </a:solidFill>
+                <a:latin typeface="Ubuntu Mono" panose="020B0509030602030204" pitchFamily="49" charset="0"/>
+              </a:endParaRPr>
+            </a:p>
+          </p:txBody>
+        </p:sp>
+        <p:cxnSp>
+          <p:nvCxnSpPr>
+            <p:cNvPr id="73" name="肘形接點 72"/>
+            <p:cNvCxnSpPr>
+              <a:stCxn id="71" idx="0"/>
+              <a:endCxn id="59" idx="2"/>
+            </p:cNvCxnSpPr>
+            <p:nvPr/>
+          </p:nvCxnSpPr>
+          <p:spPr>
+            <a:xfrm rot="16200000" flipV="1">
+              <a:off x="5635286" y="188755"/>
+              <a:ext cx="616870" cy="1537013"/>
+            </a:xfrm>
+            <a:prstGeom prst="bentConnector3">
+              <a:avLst>
+                <a:gd name="adj1" fmla="val 24220"/>
+              </a:avLst>
+            </a:prstGeom>
+            <a:ln>
+              <a:solidFill>
+                <a:schemeClr val="bg1">
+                  <a:lumMod val="50000"/>
+                </a:schemeClr>
+              </a:solidFill>
+              <a:tailEnd type="triangle"/>
+            </a:ln>
+          </p:spPr>
+          <p:style>
+            <a:lnRef idx="1">
+              <a:schemeClr val="accent1"/>
+            </a:lnRef>
+            <a:fillRef idx="0">
+              <a:schemeClr val="accent1"/>
+            </a:fillRef>
+            <a:effectRef idx="0">
+              <a:schemeClr val="accent1"/>
+            </a:effectRef>
+            <a:fontRef idx="minor">
+              <a:schemeClr val="tx1"/>
+            </a:fontRef>
+          </p:style>
+        </p:cxnSp>
+        <p:grpSp>
+          <p:nvGrpSpPr>
+            <p:cNvPr id="7" name="群組 6"/>
+            <p:cNvGrpSpPr/>
+            <p:nvPr/>
+          </p:nvGrpSpPr>
+          <p:grpSpPr>
+            <a:xfrm>
+              <a:off x="9910748" y="3816359"/>
+              <a:ext cx="2175593" cy="2994691"/>
+              <a:chOff x="9856156" y="3625288"/>
+              <a:chExt cx="2175593" cy="2994691"/>
+            </a:xfrm>
+          </p:grpSpPr>
+          <p:sp>
+            <p:nvSpPr>
+              <p:cNvPr id="104" name="矩形 103"/>
+              <p:cNvSpPr/>
+              <p:nvPr/>
+            </p:nvSpPr>
+            <p:spPr>
+              <a:xfrm>
+                <a:off x="10954881" y="4929284"/>
+                <a:ext cx="1029108" cy="493262"/>
+              </a:xfrm>
+              <a:prstGeom prst="rect">
+                <a:avLst/>
+              </a:prstGeom>
+            </p:spPr>
+            <p:style>
+              <a:lnRef idx="3">
+                <a:schemeClr val="lt1"/>
+              </a:lnRef>
+              <a:fillRef idx="1">
+                <a:schemeClr val="accent6"/>
+              </a:fillRef>
+              <a:effectRef idx="1">
+                <a:schemeClr val="accent6"/>
+              </a:effectRef>
+              <a:fontRef idx="minor">
+                <a:schemeClr val="lt1"/>
+              </a:fontRef>
+            </p:style>
+            <p:txBody>
+              <a:bodyPr rtlCol="0" anchor="ctr"/>
+              <a:lstStyle/>
+              <a:p>
+                <a:pPr algn="ctr"/>
+                <a:r>
+                  <a:rPr lang="en-US" altLang="zh-TW" sz="1000" dirty="0" smtClean="0">
+                    <a:latin typeface="Ubuntu Mono" panose="020B0509030602030204" pitchFamily="49" charset="0"/>
+                  </a:rPr>
+                  <a:t>Sensor</a:t>
+                </a:r>
+                <a:endParaRPr lang="zh-TW" altLang="en-US" sz="1000" dirty="0">
+                  <a:latin typeface="Ubuntu Mono" panose="020B0509030602030204" pitchFamily="49" charset="0"/>
+                </a:endParaRPr>
+              </a:p>
+            </p:txBody>
+          </p:sp>
+          <p:sp>
+            <p:nvSpPr>
+              <p:cNvPr id="105" name="矩形 104"/>
+              <p:cNvSpPr/>
+              <p:nvPr/>
+            </p:nvSpPr>
+            <p:spPr>
+              <a:xfrm>
+                <a:off x="10960655" y="5536459"/>
+                <a:ext cx="1023334" cy="483731"/>
+              </a:xfrm>
+              <a:prstGeom prst="rect">
+                <a:avLst/>
+              </a:prstGeom>
+            </p:spPr>
+            <p:style>
+              <a:lnRef idx="2">
+                <a:schemeClr val="accent2">
+                  <a:shade val="50000"/>
+                </a:schemeClr>
+              </a:lnRef>
+              <a:fillRef idx="1">
+                <a:schemeClr val="accent2"/>
+              </a:fillRef>
+              <a:effectRef idx="0">
+                <a:schemeClr val="accent2"/>
+              </a:effectRef>
+              <a:fontRef idx="minor">
+                <a:schemeClr val="lt1"/>
+              </a:fontRef>
+            </p:style>
+            <p:txBody>
+              <a:bodyPr rtlCol="0" anchor="ctr"/>
+              <a:lstStyle/>
+              <a:p>
+                <a:pPr algn="ctr"/>
+                <a:r>
+                  <a:rPr lang="en-US" altLang="zh-TW" sz="1000" dirty="0" smtClean="0">
+                    <a:latin typeface="Ubuntu Mono" panose="020B0509030602030204" pitchFamily="49" charset="0"/>
+                  </a:rPr>
+                  <a:t>Core</a:t>
+                </a:r>
+                <a:endParaRPr lang="zh-TW" altLang="en-US" sz="1000" dirty="0">
+                  <a:latin typeface="Ubuntu Mono" panose="020B0509030602030204" pitchFamily="49" charset="0"/>
+                </a:endParaRPr>
+              </a:p>
+            </p:txBody>
+          </p:sp>
+          <p:sp>
+            <p:nvSpPr>
+              <p:cNvPr id="106" name="矩形 105"/>
+              <p:cNvSpPr/>
+              <p:nvPr/>
+            </p:nvSpPr>
+            <p:spPr>
+              <a:xfrm>
+                <a:off x="10966012" y="6134103"/>
+                <a:ext cx="1017977" cy="485876"/>
+              </a:xfrm>
+              <a:prstGeom prst="rect">
+                <a:avLst/>
+              </a:prstGeom>
+            </p:spPr>
+            <p:style>
+              <a:lnRef idx="2">
+                <a:schemeClr val="accent5">
+                  <a:shade val="50000"/>
+                </a:schemeClr>
+              </a:lnRef>
+              <a:fillRef idx="1">
+                <a:schemeClr val="accent5"/>
+              </a:fillRef>
+              <a:effectRef idx="0">
+                <a:schemeClr val="accent5"/>
+              </a:effectRef>
+              <a:fontRef idx="minor">
+                <a:schemeClr val="lt1"/>
+              </a:fontRef>
+            </p:style>
+            <p:txBody>
+              <a:bodyPr rtlCol="0" anchor="ctr"/>
+              <a:lstStyle/>
+              <a:p>
+                <a:pPr algn="ctr"/>
+                <a:r>
+                  <a:rPr lang="en-US" altLang="zh-TW" sz="1000" dirty="0" err="1">
+                    <a:latin typeface="Ubuntu Mono" panose="020B0509030602030204" pitchFamily="49" charset="0"/>
+                  </a:rPr>
+                  <a:t>DeviceManager</a:t>
+                </a:r>
+                <a:endParaRPr lang="zh-TW" altLang="en-US" sz="1000" dirty="0">
+                  <a:latin typeface="Ubuntu Mono" panose="020B0509030602030204" pitchFamily="49" charset="0"/>
+                </a:endParaRPr>
+              </a:p>
+            </p:txBody>
+          </p:sp>
+          <p:sp>
+            <p:nvSpPr>
+              <p:cNvPr id="107" name="矩形 106"/>
+              <p:cNvSpPr/>
+              <p:nvPr/>
+            </p:nvSpPr>
+            <p:spPr>
+              <a:xfrm>
+                <a:off x="10950214" y="4279647"/>
+                <a:ext cx="1029108" cy="493262"/>
+              </a:xfrm>
+              <a:prstGeom prst="rect">
+                <a:avLst/>
+              </a:prstGeom>
+            </p:spPr>
+            <p:style>
+              <a:lnRef idx="3">
+                <a:schemeClr val="lt1"/>
+              </a:lnRef>
+              <a:fillRef idx="1">
+                <a:schemeClr val="accent6"/>
+              </a:fillRef>
+              <a:effectRef idx="1">
+                <a:schemeClr val="accent6"/>
+              </a:effectRef>
+              <a:fontRef idx="minor">
+                <a:schemeClr val="lt1"/>
+              </a:fontRef>
+            </p:style>
+            <p:txBody>
+              <a:bodyPr rtlCol="0" anchor="ctr"/>
+              <a:lstStyle/>
+              <a:p>
+                <a:pPr algn="ctr"/>
+                <a:r>
+                  <a:rPr lang="en-US" altLang="zh-TW" sz="1000" dirty="0" err="1" smtClean="0"/>
+                  <a:t>Tranceiver</a:t>
+                </a:r>
+                <a:endParaRPr lang="zh-TW" altLang="en-US" sz="1000" dirty="0">
+                  <a:latin typeface="Ubuntu Mono" panose="020B0509030602030204" pitchFamily="49" charset="0"/>
+                </a:endParaRPr>
+              </a:p>
+            </p:txBody>
+          </p:sp>
+          <p:sp>
+            <p:nvSpPr>
+              <p:cNvPr id="108" name="圓柱 107"/>
+              <p:cNvSpPr/>
+              <p:nvPr/>
+            </p:nvSpPr>
+            <p:spPr>
+              <a:xfrm>
+                <a:off x="10950214" y="3625288"/>
+                <a:ext cx="1081535" cy="489347"/>
+              </a:xfrm>
+              <a:prstGeom prst="can">
+                <a:avLst/>
+              </a:prstGeom>
+            </p:spPr>
+            <p:style>
+              <a:lnRef idx="1">
+                <a:schemeClr val="accent2"/>
+              </a:lnRef>
+              <a:fillRef idx="2">
+                <a:schemeClr val="accent2"/>
+              </a:fillRef>
+              <a:effectRef idx="1">
+                <a:schemeClr val="accent2"/>
+              </a:effectRef>
+              <a:fontRef idx="minor">
+                <a:schemeClr val="dk1"/>
+              </a:fontRef>
+            </p:style>
+            <p:txBody>
+              <a:bodyPr wrap="square">
+                <a:spAutoFit/>
+              </a:bodyPr>
+              <a:lstStyle/>
+              <a:p>
+                <a:r>
+                  <a:rPr lang="en-US" altLang="zh-TW" sz="1400" dirty="0">
+                    <a:solidFill>
+                      <a:schemeClr val="accent2">
+                        <a:lumMod val="50000"/>
+                      </a:schemeClr>
+                    </a:solidFill>
+                    <a:latin typeface="Ubuntu Mono" panose="020B0509030602030204" pitchFamily="49" charset="0"/>
+                  </a:rPr>
+                  <a:t>Repository</a:t>
+                </a:r>
+                <a:endParaRPr lang="zh-TW" altLang="en-US" sz="1400" dirty="0">
+                  <a:solidFill>
+                    <a:schemeClr val="accent2">
+                      <a:lumMod val="50000"/>
+                    </a:schemeClr>
+                  </a:solidFill>
+                  <a:latin typeface="Ubuntu Mono" panose="020B0509030602030204" pitchFamily="49" charset="0"/>
+                </a:endParaRPr>
+              </a:p>
+            </p:txBody>
+          </p:sp>
+          <p:cxnSp>
+            <p:nvCxnSpPr>
+              <p:cNvPr id="110" name="肘形接點 109"/>
+              <p:cNvCxnSpPr>
+                <a:stCxn id="106" idx="1"/>
+                <a:endCxn id="108" idx="2"/>
+              </p:cNvCxnSpPr>
+              <p:nvPr/>
+            </p:nvCxnSpPr>
+            <p:spPr>
+              <a:xfrm rot="10800000">
+                <a:off x="10950214" y="3869963"/>
+                <a:ext cx="15798" cy="2507079"/>
+              </a:xfrm>
+              <a:prstGeom prst="bentConnector3">
+                <a:avLst>
+                  <a:gd name="adj1" fmla="val 3308602"/>
+                </a:avLst>
+              </a:prstGeom>
+              <a:ln>
+                <a:tailEnd type="triangle"/>
+              </a:ln>
+            </p:spPr>
+            <p:style>
+              <a:lnRef idx="1">
+                <a:schemeClr val="accent1"/>
+              </a:lnRef>
+              <a:fillRef idx="0">
+                <a:schemeClr val="accent1"/>
+              </a:fillRef>
+              <a:effectRef idx="0">
+                <a:schemeClr val="accent1"/>
+              </a:effectRef>
+              <a:fontRef idx="minor">
+                <a:schemeClr val="tx1"/>
+              </a:fontRef>
+            </p:style>
+          </p:cxnSp>
+          <p:cxnSp>
+            <p:nvCxnSpPr>
+              <p:cNvPr id="112" name="肘形接點 111"/>
+              <p:cNvCxnSpPr>
+                <a:stCxn id="106" idx="1"/>
+                <a:endCxn id="107" idx="1"/>
+              </p:cNvCxnSpPr>
+              <p:nvPr/>
+            </p:nvCxnSpPr>
+            <p:spPr>
+              <a:xfrm rot="10800000">
+                <a:off x="10950214" y="4526279"/>
+                <a:ext cx="15798" cy="1850763"/>
+              </a:xfrm>
+              <a:prstGeom prst="bentConnector3">
+                <a:avLst>
+                  <a:gd name="adj1" fmla="val 2469762"/>
+                </a:avLst>
+              </a:prstGeom>
+              <a:ln>
+                <a:tailEnd type="triangle"/>
+              </a:ln>
+            </p:spPr>
+            <p:style>
+              <a:lnRef idx="1">
+                <a:schemeClr val="accent1"/>
+              </a:lnRef>
+              <a:fillRef idx="0">
+                <a:schemeClr val="accent1"/>
+              </a:fillRef>
+              <a:effectRef idx="0">
+                <a:schemeClr val="accent1"/>
+              </a:effectRef>
+              <a:fontRef idx="minor">
+                <a:schemeClr val="tx1"/>
+              </a:fontRef>
+            </p:style>
+          </p:cxnSp>
+          <p:cxnSp>
+            <p:nvCxnSpPr>
+              <p:cNvPr id="114" name="肘形接點 113"/>
+              <p:cNvCxnSpPr>
+                <a:stCxn id="106" idx="1"/>
+                <a:endCxn id="104" idx="1"/>
+              </p:cNvCxnSpPr>
+              <p:nvPr/>
+            </p:nvCxnSpPr>
+            <p:spPr>
+              <a:xfrm rot="10800000">
+                <a:off x="10954882" y="5175915"/>
+                <a:ext cx="11131" cy="1201126"/>
+              </a:xfrm>
+              <a:prstGeom prst="bentConnector3">
+                <a:avLst>
+                  <a:gd name="adj1" fmla="val 2629952"/>
+                </a:avLst>
+              </a:prstGeom>
+              <a:ln>
+                <a:tailEnd type="triangle"/>
+              </a:ln>
+            </p:spPr>
+            <p:style>
+              <a:lnRef idx="1">
+                <a:schemeClr val="accent1"/>
+              </a:lnRef>
+              <a:fillRef idx="0">
+                <a:schemeClr val="accent1"/>
+              </a:fillRef>
+              <a:effectRef idx="0">
+                <a:schemeClr val="accent1"/>
+              </a:effectRef>
+              <a:fontRef idx="minor">
+                <a:schemeClr val="tx1"/>
+              </a:fontRef>
+            </p:style>
+          </p:cxnSp>
+          <p:cxnSp>
+            <p:nvCxnSpPr>
+              <p:cNvPr id="116" name="肘形接點 115"/>
+              <p:cNvCxnSpPr>
+                <a:stCxn id="106" idx="1"/>
+                <a:endCxn id="105" idx="1"/>
+              </p:cNvCxnSpPr>
+              <p:nvPr/>
+            </p:nvCxnSpPr>
+            <p:spPr>
+              <a:xfrm rot="10800000">
+                <a:off x="10960656" y="5778325"/>
+                <a:ext cx="5357" cy="598716"/>
+              </a:xfrm>
+              <a:prstGeom prst="bentConnector3">
+                <a:avLst>
+                  <a:gd name="adj1" fmla="val 2883032"/>
+                </a:avLst>
+              </a:prstGeom>
+              <a:ln>
+                <a:tailEnd type="triangle"/>
+              </a:ln>
+            </p:spPr>
+            <p:style>
+              <a:lnRef idx="1">
+                <a:schemeClr val="accent1"/>
+              </a:lnRef>
+              <a:fillRef idx="0">
+                <a:schemeClr val="accent1"/>
+              </a:fillRef>
+              <a:effectRef idx="0">
+                <a:schemeClr val="accent1"/>
+              </a:effectRef>
+              <a:fontRef idx="minor">
+                <a:schemeClr val="tx1"/>
+              </a:fontRef>
+            </p:style>
+          </p:cxnSp>
+          <p:sp>
+            <p:nvSpPr>
+              <p:cNvPr id="125" name="矩形 124"/>
+              <p:cNvSpPr/>
+              <p:nvPr/>
+            </p:nvSpPr>
+            <p:spPr>
+              <a:xfrm>
+                <a:off x="9856156" y="5247365"/>
+                <a:ext cx="633507" cy="307777"/>
+              </a:xfrm>
+              <a:prstGeom prst="rect">
+                <a:avLst/>
+              </a:prstGeom>
+            </p:spPr>
+            <p:txBody>
+              <a:bodyPr wrap="none">
+                <a:spAutoFit/>
+              </a:bodyPr>
+              <a:lstStyle/>
+              <a:p>
+                <a:r>
+                  <a:rPr lang="en-US" altLang="zh-TW" sz="1400" dirty="0" err="1" smtClean="0">
+                    <a:latin typeface="Ubuntu Mono" panose="020B0509030602030204" pitchFamily="49" charset="0"/>
+                  </a:rPr>
+                  <a:t>Init.</a:t>
+                </a:r>
+                <a:endParaRPr lang="zh-TW" altLang="en-US" sz="1400" dirty="0">
+                  <a:latin typeface="Ubuntu Mono" panose="020B0509030602030204" pitchFamily="49" charset="0"/>
+                </a:endParaRPr>
+              </a:p>
+            </p:txBody>
+          </p:sp>
+        </p:grpSp>
+        <p:grpSp>
+          <p:nvGrpSpPr>
+            <p:cNvPr id="6" name="群組 5"/>
+            <p:cNvGrpSpPr/>
+            <p:nvPr/>
+          </p:nvGrpSpPr>
+          <p:grpSpPr>
+            <a:xfrm>
+              <a:off x="70328" y="4257280"/>
+              <a:ext cx="2137876" cy="2422397"/>
+              <a:chOff x="97624" y="4202688"/>
+              <a:chExt cx="2137876" cy="2422397"/>
+            </a:xfrm>
+          </p:grpSpPr>
+          <p:sp>
+            <p:nvSpPr>
+              <p:cNvPr id="78" name="圓柱 77"/>
+              <p:cNvSpPr/>
+              <p:nvPr/>
+            </p:nvSpPr>
+            <p:spPr>
+              <a:xfrm>
+                <a:off x="97624" y="6135738"/>
+                <a:ext cx="1081535" cy="489347"/>
+              </a:xfrm>
+              <a:prstGeom prst="can">
+                <a:avLst/>
+              </a:prstGeom>
+            </p:spPr>
+            <p:style>
+              <a:lnRef idx="1">
+                <a:schemeClr val="accent2"/>
+              </a:lnRef>
+              <a:fillRef idx="2">
+                <a:schemeClr val="accent2"/>
+              </a:fillRef>
+              <a:effectRef idx="1">
+                <a:schemeClr val="accent2"/>
+              </a:effectRef>
+              <a:fontRef idx="minor">
+                <a:schemeClr val="dk1"/>
+              </a:fontRef>
+            </p:style>
+            <p:txBody>
+              <a:bodyPr wrap="square">
+                <a:spAutoFit/>
+              </a:bodyPr>
+              <a:lstStyle/>
+              <a:p>
+                <a:r>
+                  <a:rPr lang="en-US" altLang="zh-TW" sz="1400" dirty="0">
+                    <a:solidFill>
+                      <a:schemeClr val="accent2">
+                        <a:lumMod val="50000"/>
+                      </a:schemeClr>
+                    </a:solidFill>
+                    <a:latin typeface="Ubuntu Mono" panose="020B0509030602030204" pitchFamily="49" charset="0"/>
+                  </a:rPr>
+                  <a:t>Repository</a:t>
+                </a:r>
+                <a:endParaRPr lang="zh-TW" altLang="en-US" sz="1400" dirty="0">
+                  <a:solidFill>
+                    <a:schemeClr val="accent2">
+                      <a:lumMod val="50000"/>
+                    </a:schemeClr>
+                  </a:solidFill>
+                  <a:latin typeface="Ubuntu Mono" panose="020B0509030602030204" pitchFamily="49" charset="0"/>
+                </a:endParaRPr>
+              </a:p>
+            </p:txBody>
+          </p:sp>
+          <p:sp>
+            <p:nvSpPr>
+              <p:cNvPr id="83" name="矩形 82"/>
+              <p:cNvSpPr/>
+              <p:nvPr/>
+            </p:nvSpPr>
+            <p:spPr>
+              <a:xfrm>
+                <a:off x="97624" y="4807720"/>
+                <a:ext cx="1029108" cy="493262"/>
+              </a:xfrm>
+              <a:prstGeom prst="rect">
+                <a:avLst/>
+              </a:prstGeom>
+            </p:spPr>
+            <p:style>
+              <a:lnRef idx="3">
+                <a:schemeClr val="lt1"/>
+              </a:lnRef>
+              <a:fillRef idx="1">
+                <a:schemeClr val="accent6"/>
+              </a:fillRef>
+              <a:effectRef idx="1">
+                <a:schemeClr val="accent6"/>
+              </a:effectRef>
+              <a:fontRef idx="minor">
+                <a:schemeClr val="lt1"/>
+              </a:fontRef>
+            </p:style>
+            <p:txBody>
+              <a:bodyPr rtlCol="0" anchor="ctr"/>
+              <a:lstStyle/>
+              <a:p>
+                <a:pPr algn="ctr"/>
+                <a:r>
+                  <a:rPr lang="en-US" altLang="zh-TW" sz="1000" dirty="0" smtClean="0">
+                    <a:latin typeface="Ubuntu Mono" panose="020B0509030602030204" pitchFamily="49" charset="0"/>
+                  </a:rPr>
+                  <a:t>Sensor</a:t>
+                </a:r>
+                <a:endParaRPr lang="zh-TW" altLang="en-US" sz="1000" dirty="0">
+                  <a:latin typeface="Ubuntu Mono" panose="020B0509030602030204" pitchFamily="49" charset="0"/>
+                </a:endParaRPr>
+              </a:p>
+            </p:txBody>
+          </p:sp>
+          <p:sp>
+            <p:nvSpPr>
+              <p:cNvPr id="84" name="矩形 83"/>
+              <p:cNvSpPr/>
+              <p:nvPr/>
+            </p:nvSpPr>
+            <p:spPr>
+              <a:xfrm>
+                <a:off x="103398" y="5401254"/>
+                <a:ext cx="1023334" cy="483731"/>
+              </a:xfrm>
+              <a:prstGeom prst="rect">
+                <a:avLst/>
+              </a:prstGeom>
+            </p:spPr>
+            <p:style>
+              <a:lnRef idx="2">
+                <a:schemeClr val="accent2">
+                  <a:shade val="50000"/>
+                </a:schemeClr>
+              </a:lnRef>
+              <a:fillRef idx="1">
+                <a:schemeClr val="accent2"/>
+              </a:fillRef>
+              <a:effectRef idx="0">
+                <a:schemeClr val="accent2"/>
+              </a:effectRef>
+              <a:fontRef idx="minor">
+                <a:schemeClr val="lt1"/>
+              </a:fontRef>
+            </p:style>
+            <p:txBody>
+              <a:bodyPr rtlCol="0" anchor="ctr"/>
+              <a:lstStyle/>
+              <a:p>
+                <a:pPr algn="ctr"/>
+                <a:r>
+                  <a:rPr lang="en-US" altLang="zh-TW" sz="1000" dirty="0" smtClean="0">
+                    <a:latin typeface="Ubuntu Mono" panose="020B0509030602030204" pitchFamily="49" charset="0"/>
+                  </a:rPr>
+                  <a:t>Core</a:t>
+                </a:r>
+                <a:endParaRPr lang="zh-TW" altLang="en-US" sz="1000" dirty="0">
+                  <a:latin typeface="Ubuntu Mono" panose="020B0509030602030204" pitchFamily="49" charset="0"/>
+                </a:endParaRPr>
+              </a:p>
+            </p:txBody>
+          </p:sp>
+          <p:sp>
+            <p:nvSpPr>
+              <p:cNvPr id="85" name="矩形 84"/>
+              <p:cNvSpPr/>
+              <p:nvPr/>
+            </p:nvSpPr>
+            <p:spPr>
+              <a:xfrm>
+                <a:off x="97624" y="4202688"/>
+                <a:ext cx="1017977" cy="485876"/>
+              </a:xfrm>
+              <a:prstGeom prst="rect">
+                <a:avLst/>
+              </a:prstGeom>
+            </p:spPr>
+            <p:style>
+              <a:lnRef idx="2">
+                <a:schemeClr val="accent5">
+                  <a:shade val="50000"/>
+                </a:schemeClr>
+              </a:lnRef>
+              <a:fillRef idx="1">
+                <a:schemeClr val="accent5"/>
+              </a:fillRef>
+              <a:effectRef idx="0">
+                <a:schemeClr val="accent5"/>
+              </a:effectRef>
+              <a:fontRef idx="minor">
+                <a:schemeClr val="lt1"/>
+              </a:fontRef>
+            </p:style>
+            <p:txBody>
+              <a:bodyPr rtlCol="0" anchor="ctr"/>
+              <a:lstStyle/>
+              <a:p>
+                <a:pPr algn="ctr"/>
+                <a:r>
+                  <a:rPr lang="en-US" altLang="zh-TW" sz="1000" dirty="0" err="1">
+                    <a:latin typeface="Ubuntu Mono" panose="020B0509030602030204" pitchFamily="49" charset="0"/>
+                  </a:rPr>
+                  <a:t>DeviceManager</a:t>
+                </a:r>
+                <a:endParaRPr lang="zh-TW" altLang="en-US" sz="1000" dirty="0">
+                  <a:latin typeface="Ubuntu Mono" panose="020B0509030602030204" pitchFamily="49" charset="0"/>
+                </a:endParaRPr>
+              </a:p>
+            </p:txBody>
+          </p:sp>
+          <p:cxnSp>
+            <p:nvCxnSpPr>
+              <p:cNvPr id="91" name="肘形接點 90"/>
+              <p:cNvCxnSpPr>
+                <a:stCxn id="78" idx="4"/>
+                <a:endCxn id="85" idx="3"/>
+              </p:cNvCxnSpPr>
+              <p:nvPr/>
+            </p:nvCxnSpPr>
+            <p:spPr>
+              <a:xfrm flipH="1" flipV="1">
+                <a:off x="1115601" y="4445626"/>
+                <a:ext cx="63558" cy="1934786"/>
+              </a:xfrm>
+              <a:prstGeom prst="bentConnector3">
+                <a:avLst>
+                  <a:gd name="adj1" fmla="val -234568"/>
+                </a:avLst>
+              </a:prstGeom>
+              <a:ln>
+                <a:headEnd type="triangle"/>
+                <a:tailEnd type="triangle"/>
+              </a:ln>
+            </p:spPr>
+            <p:style>
+              <a:lnRef idx="1">
+                <a:schemeClr val="accent1"/>
+              </a:lnRef>
+              <a:fillRef idx="0">
+                <a:schemeClr val="accent1"/>
+              </a:fillRef>
+              <a:effectRef idx="0">
+                <a:schemeClr val="accent1"/>
+              </a:effectRef>
+              <a:fontRef idx="minor">
+                <a:schemeClr val="tx1"/>
+              </a:fontRef>
+            </p:style>
+          </p:cxnSp>
+          <p:cxnSp>
+            <p:nvCxnSpPr>
+              <p:cNvPr id="93" name="肘形接點 92"/>
+              <p:cNvCxnSpPr>
+                <a:stCxn id="78" idx="1"/>
+                <a:endCxn id="83" idx="3"/>
+              </p:cNvCxnSpPr>
+              <p:nvPr/>
+            </p:nvCxnSpPr>
+            <p:spPr>
+              <a:xfrm rot="5400000" flipH="1" flipV="1">
+                <a:off x="341869" y="5350875"/>
+                <a:ext cx="1081387" cy="488340"/>
+              </a:xfrm>
+              <a:prstGeom prst="bentConnector4">
+                <a:avLst>
+                  <a:gd name="adj1" fmla="val 11636"/>
+                  <a:gd name="adj2" fmla="val 173949"/>
+                </a:avLst>
+              </a:prstGeom>
+              <a:ln>
+                <a:headEnd type="triangle"/>
+                <a:tailEnd type="triangle"/>
+              </a:ln>
+            </p:spPr>
+            <p:style>
+              <a:lnRef idx="1">
+                <a:schemeClr val="accent1"/>
+              </a:lnRef>
+              <a:fillRef idx="0">
+                <a:schemeClr val="accent1"/>
+              </a:fillRef>
+              <a:effectRef idx="0">
+                <a:schemeClr val="accent1"/>
+              </a:effectRef>
+              <a:fontRef idx="minor">
+                <a:schemeClr val="tx1"/>
+              </a:fontRef>
+            </p:style>
+          </p:cxnSp>
+          <p:cxnSp>
+            <p:nvCxnSpPr>
+              <p:cNvPr id="98" name="肘形接點 97"/>
+              <p:cNvCxnSpPr>
+                <a:stCxn id="78" idx="3"/>
+                <a:endCxn id="84" idx="3"/>
+              </p:cNvCxnSpPr>
+              <p:nvPr/>
+            </p:nvCxnSpPr>
+            <p:spPr>
+              <a:xfrm rot="5400000" flipH="1" flipV="1">
+                <a:off x="391579" y="5889933"/>
+                <a:ext cx="981965" cy="488340"/>
+              </a:xfrm>
+              <a:prstGeom prst="bentConnector4">
+                <a:avLst>
+                  <a:gd name="adj1" fmla="val -13833"/>
+                  <a:gd name="adj2" fmla="val 157547"/>
+                </a:avLst>
+              </a:prstGeom>
+              <a:ln>
+                <a:headEnd type="triangle"/>
+                <a:tailEnd type="triangle"/>
+              </a:ln>
+            </p:spPr>
+            <p:style>
+              <a:lnRef idx="1">
+                <a:schemeClr val="accent1"/>
+              </a:lnRef>
+              <a:fillRef idx="0">
+                <a:schemeClr val="accent1"/>
+              </a:fillRef>
+              <a:effectRef idx="0">
+                <a:schemeClr val="accent1"/>
+              </a:effectRef>
+              <a:fontRef idx="minor">
+                <a:schemeClr val="tx1"/>
+              </a:fontRef>
+            </p:style>
+          </p:cxnSp>
+          <p:sp>
+            <p:nvSpPr>
+              <p:cNvPr id="126" name="矩形 125"/>
+              <p:cNvSpPr/>
+              <p:nvPr/>
+            </p:nvSpPr>
+            <p:spPr>
+              <a:xfrm>
+                <a:off x="1422457" y="5489230"/>
+                <a:ext cx="813043" cy="307777"/>
+              </a:xfrm>
+              <a:prstGeom prst="rect">
+                <a:avLst/>
+              </a:prstGeom>
+            </p:spPr>
+            <p:txBody>
+              <a:bodyPr wrap="none">
+                <a:spAutoFit/>
+              </a:bodyPr>
+              <a:lstStyle/>
+              <a:p>
+                <a:r>
+                  <a:rPr lang="en-US" altLang="zh-TW" sz="1400" dirty="0" smtClean="0">
+                    <a:latin typeface="Ubuntu Mono" panose="020B0509030602030204" pitchFamily="49" charset="0"/>
+                  </a:rPr>
+                  <a:t>Access.</a:t>
+                </a:r>
+                <a:endParaRPr lang="zh-TW" altLang="en-US" sz="1400" dirty="0">
+                  <a:latin typeface="Ubuntu Mono" panose="020B0509030602030204" pitchFamily="49" charset="0"/>
+                </a:endParaRPr>
+              </a:p>
+            </p:txBody>
+          </p:sp>
+        </p:grpSp>
+        <p:sp>
+          <p:nvSpPr>
+            <p:cNvPr id="131" name="矩形 130"/>
+            <p:cNvSpPr/>
+            <p:nvPr/>
+          </p:nvSpPr>
+          <p:spPr>
+            <a:xfrm>
+              <a:off x="222550" y="1867617"/>
+              <a:ext cx="992579" cy="307777"/>
+            </a:xfrm>
+            <a:prstGeom prst="rect">
+              <a:avLst/>
+            </a:prstGeom>
+          </p:spPr>
+          <p:style>
+            <a:lnRef idx="1">
+              <a:schemeClr val="accent1"/>
+            </a:lnRef>
+            <a:fillRef idx="3">
+              <a:schemeClr val="accent1"/>
+            </a:fillRef>
+            <a:effectRef idx="2">
+              <a:schemeClr val="accent1"/>
+            </a:effectRef>
+            <a:fontRef idx="minor">
+              <a:schemeClr val="lt1"/>
+            </a:fontRef>
+          </p:style>
+          <p:txBody>
+            <a:bodyPr wrap="none">
+              <a:spAutoFit/>
+            </a:bodyPr>
+            <a:lstStyle/>
+            <a:p>
+              <a:r>
+                <a:rPr lang="en-US" altLang="zh-TW" sz="1400" dirty="0" smtClean="0">
+                  <a:solidFill>
+                    <a:schemeClr val="bg1"/>
+                  </a:solidFill>
+                  <a:latin typeface="Ubuntu Mono" panose="020B0509030602030204" pitchFamily="49" charset="0"/>
+                </a:rPr>
+                <a:t>Algorithm</a:t>
+              </a:r>
+              <a:endParaRPr lang="zh-TW" altLang="en-US" sz="1400" dirty="0">
+                <a:solidFill>
+                  <a:schemeClr val="bg1"/>
+                </a:solidFill>
+                <a:latin typeface="Ubuntu Mono" panose="020B0509030602030204" pitchFamily="49" charset="0"/>
+              </a:endParaRPr>
+            </a:p>
+          </p:txBody>
+        </p:sp>
+        <p:sp>
+          <p:nvSpPr>
+            <p:cNvPr id="62" name="矩形 61"/>
+            <p:cNvSpPr/>
+            <p:nvPr/>
+          </p:nvSpPr>
+          <p:spPr>
+            <a:xfrm>
+              <a:off x="8794550" y="1649072"/>
+              <a:ext cx="902811" cy="307777"/>
+            </a:xfrm>
+            <a:prstGeom prst="rect">
+              <a:avLst/>
+            </a:prstGeom>
+          </p:spPr>
+          <p:txBody>
+            <a:bodyPr wrap="none">
+              <a:spAutoFit/>
+            </a:bodyPr>
+            <a:lstStyle/>
+            <a:p>
+              <a:r>
+                <a:rPr lang="en-US" altLang="zh-TW" sz="1400" dirty="0" err="1">
+                  <a:solidFill>
+                    <a:schemeClr val="accent5">
+                      <a:lumMod val="40000"/>
+                      <a:lumOff val="60000"/>
+                    </a:schemeClr>
+                  </a:solidFill>
+                  <a:latin typeface="Ubuntu Mono" panose="020B0509030602030204" pitchFamily="49" charset="0"/>
+                </a:rPr>
+                <a:t>SendData</a:t>
+              </a:r>
+              <a:endParaRPr lang="zh-TW" altLang="en-US" sz="1400" dirty="0">
+                <a:solidFill>
+                  <a:schemeClr val="accent5">
+                    <a:lumMod val="40000"/>
+                    <a:lumOff val="60000"/>
+                  </a:schemeClr>
+                </a:solidFill>
+                <a:latin typeface="Ubuntu Mono" panose="020B0509030602030204" pitchFamily="49" charset="0"/>
+              </a:endParaRPr>
+            </a:p>
+          </p:txBody>
+        </p:sp>
+        <p:sp>
+          <p:nvSpPr>
+            <p:cNvPr id="74" name="矩形 73"/>
+            <p:cNvSpPr/>
+            <p:nvPr/>
+          </p:nvSpPr>
+          <p:spPr>
+            <a:xfrm>
+              <a:off x="1568950" y="4432950"/>
+              <a:ext cx="1723549" cy="461665"/>
+            </a:xfrm>
+            <a:prstGeom prst="rect">
+              <a:avLst/>
+            </a:prstGeom>
+          </p:spPr>
+          <p:txBody>
+            <a:bodyPr wrap="none">
+              <a:spAutoFit/>
+            </a:bodyPr>
+            <a:lstStyle/>
+            <a:p>
+              <a:r>
+                <a:rPr lang="en-US" altLang="zh-TW" sz="2400" dirty="0">
+                  <a:solidFill>
+                    <a:schemeClr val="bg1"/>
+                  </a:solidFill>
+                  <a:latin typeface="Ubuntu Mono" panose="020B0509030602030204" pitchFamily="49" charset="0"/>
+                </a:rPr>
+                <a:t>Core Layer</a:t>
+              </a:r>
+              <a:endParaRPr lang="zh-TW" altLang="en-US" sz="2400" dirty="0">
+                <a:solidFill>
+                  <a:schemeClr val="bg1"/>
+                </a:solidFill>
+                <a:latin typeface="Ubuntu Mono" panose="020B0509030602030204" pitchFamily="49" charset="0"/>
+              </a:endParaRPr>
+            </a:p>
+          </p:txBody>
+        </p:sp>
+        <p:sp>
+          <p:nvSpPr>
+            <p:cNvPr id="75" name="矩形 74"/>
+            <p:cNvSpPr/>
+            <p:nvPr/>
+          </p:nvSpPr>
+          <p:spPr>
+            <a:xfrm>
+              <a:off x="1739211" y="6435003"/>
+              <a:ext cx="1415772" cy="461665"/>
+            </a:xfrm>
+            <a:prstGeom prst="rect">
+              <a:avLst/>
+            </a:prstGeom>
+          </p:spPr>
+          <p:txBody>
+            <a:bodyPr wrap="none">
+              <a:spAutoFit/>
+            </a:bodyPr>
+            <a:lstStyle/>
+            <a:p>
+              <a:r>
+                <a:rPr lang="en-US" altLang="zh-TW" sz="2400" dirty="0">
+                  <a:solidFill>
+                    <a:schemeClr val="bg1"/>
+                  </a:solidFill>
+                  <a:latin typeface="Ubuntu Mono" panose="020B0509030602030204" pitchFamily="49" charset="0"/>
+                </a:rPr>
+                <a:t>UI Layer</a:t>
+              </a:r>
+              <a:endParaRPr lang="zh-TW" altLang="en-US" sz="2400" dirty="0">
+                <a:solidFill>
+                  <a:schemeClr val="bg1"/>
+                </a:solidFill>
+                <a:latin typeface="Ubuntu Mono" panose="020B0509030602030204" pitchFamily="49" charset="0"/>
+              </a:endParaRPr>
+            </a:p>
+          </p:txBody>
+        </p:sp>
+        <p:sp>
+          <p:nvSpPr>
+            <p:cNvPr id="76" name="矩形 75"/>
+            <p:cNvSpPr/>
+            <p:nvPr/>
+          </p:nvSpPr>
+          <p:spPr>
+            <a:xfrm>
+              <a:off x="9862419" y="244588"/>
+              <a:ext cx="2339102" cy="461665"/>
+            </a:xfrm>
+            <a:prstGeom prst="rect">
+              <a:avLst/>
+            </a:prstGeom>
+          </p:spPr>
+          <p:txBody>
+            <a:bodyPr wrap="none">
+              <a:spAutoFit/>
+            </a:bodyPr>
+            <a:lstStyle/>
+            <a:p>
+              <a:r>
+                <a:rPr lang="en-US" altLang="zh-TW" sz="2400" dirty="0" smtClean="0">
+                  <a:solidFill>
+                    <a:schemeClr val="bg1"/>
+                  </a:solidFill>
+                  <a:latin typeface="Ubuntu Mono" panose="020B0509030602030204" pitchFamily="49" charset="0"/>
+                </a:rPr>
+                <a:t>Hardware Layer</a:t>
+              </a:r>
+              <a:endParaRPr lang="zh-TW" altLang="en-US" sz="2400" dirty="0">
+                <a:solidFill>
+                  <a:schemeClr val="bg1"/>
+                </a:solidFill>
+                <a:latin typeface="Ubuntu Mono" panose="020B0509030602030204" pitchFamily="49" charset="0"/>
+              </a:endParaRPr>
+            </a:p>
+          </p:txBody>
+        </p:sp>
+        <p:sp>
+          <p:nvSpPr>
+            <p:cNvPr id="79" name="書卷 (垂直) 78"/>
+            <p:cNvSpPr/>
+            <p:nvPr/>
+          </p:nvSpPr>
+          <p:spPr>
+            <a:xfrm>
+              <a:off x="1778959" y="417315"/>
+              <a:ext cx="801597" cy="538402"/>
+            </a:xfrm>
+            <a:prstGeom prst="verticalScroll">
+              <a:avLst/>
+            </a:prstGeom>
+          </p:spPr>
+          <p:style>
+            <a:lnRef idx="1">
+              <a:schemeClr val="accent5"/>
+            </a:lnRef>
+            <a:fillRef idx="2">
+              <a:schemeClr val="accent5"/>
+            </a:fillRef>
+            <a:effectRef idx="1">
+              <a:schemeClr val="accent5"/>
+            </a:effectRef>
+            <a:fontRef idx="minor">
+              <a:schemeClr val="dk1"/>
+            </a:fontRef>
+          </p:style>
+          <p:txBody>
+            <a:bodyPr rtlCol="0" anchor="ctr"/>
+            <a:lstStyle/>
+            <a:p>
+              <a:pPr algn="ctr"/>
+              <a:r>
+                <a:rPr lang="en-US" altLang="zh-TW" sz="1000" dirty="0">
+                  <a:solidFill>
+                    <a:schemeClr val="bg1"/>
+                  </a:solidFill>
+                  <a:latin typeface="Ubuntu Mono" panose="020B0509030602030204" pitchFamily="49" charset="0"/>
+                </a:rPr>
+                <a:t>Notify</a:t>
+              </a:r>
+              <a:br>
+                <a:rPr lang="en-US" altLang="zh-TW" sz="1000" dirty="0">
+                  <a:solidFill>
+                    <a:schemeClr val="bg1"/>
+                  </a:solidFill>
+                  <a:latin typeface="Ubuntu Mono" panose="020B0509030602030204" pitchFamily="49" charset="0"/>
+                </a:rPr>
+              </a:br>
+              <a:r>
+                <a:rPr lang="en-US" altLang="zh-TW" sz="1000" dirty="0">
+                  <a:solidFill>
+                    <a:schemeClr val="bg1"/>
+                  </a:solidFill>
+                  <a:latin typeface="Ubuntu Mono" panose="020B0509030602030204" pitchFamily="49" charset="0"/>
+                </a:rPr>
+                <a:t>Package</a:t>
+              </a:r>
+              <a:endParaRPr lang="zh-TW" altLang="en-US" sz="1000" dirty="0">
+                <a:solidFill>
+                  <a:schemeClr val="bg1"/>
+                </a:solidFill>
+                <a:latin typeface="Ubuntu Mono" panose="020B0509030602030204" pitchFamily="49" charset="0"/>
+              </a:endParaRPr>
+            </a:p>
+          </p:txBody>
+        </p:sp>
+        <p:sp>
+          <p:nvSpPr>
+            <p:cNvPr id="82" name="書卷 (垂直) 81"/>
+            <p:cNvSpPr/>
+            <p:nvPr/>
+          </p:nvSpPr>
+          <p:spPr>
+            <a:xfrm>
+              <a:off x="3360624" y="1552650"/>
+              <a:ext cx="700182" cy="538402"/>
+            </a:xfrm>
+            <a:prstGeom prst="verticalScroll">
+              <a:avLst/>
+            </a:prstGeom>
+          </p:spPr>
+          <p:style>
+            <a:lnRef idx="1">
+              <a:schemeClr val="accent5"/>
+            </a:lnRef>
+            <a:fillRef idx="2">
+              <a:schemeClr val="accent5"/>
+            </a:fillRef>
+            <a:effectRef idx="1">
+              <a:schemeClr val="accent5"/>
+            </a:effectRef>
+            <a:fontRef idx="minor">
+              <a:schemeClr val="dk1"/>
+            </a:fontRef>
+          </p:style>
+          <p:txBody>
+            <a:bodyPr rtlCol="0" anchor="ctr"/>
+            <a:lstStyle/>
+            <a:p>
+              <a:pPr algn="ctr"/>
+              <a:r>
+                <a:rPr lang="en-US" altLang="zh-TW" sz="1000" dirty="0">
+                  <a:solidFill>
+                    <a:schemeClr val="bg1"/>
+                  </a:solidFill>
+                  <a:latin typeface="Ubuntu Mono" panose="020B0509030602030204" pitchFamily="49" charset="0"/>
+                </a:rPr>
+                <a:t>Data</a:t>
+              </a:r>
+              <a:br>
+                <a:rPr lang="en-US" altLang="zh-TW" sz="1000" dirty="0">
+                  <a:solidFill>
+                    <a:schemeClr val="bg1"/>
+                  </a:solidFill>
+                  <a:latin typeface="Ubuntu Mono" panose="020B0509030602030204" pitchFamily="49" charset="0"/>
+                </a:rPr>
+              </a:br>
+              <a:r>
+                <a:rPr lang="en-US" altLang="zh-TW" sz="1000" dirty="0">
+                  <a:solidFill>
+                    <a:schemeClr val="bg1"/>
+                  </a:solidFill>
+                  <a:latin typeface="Ubuntu Mono" panose="020B0509030602030204" pitchFamily="49" charset="0"/>
+                </a:rPr>
+                <a:t>Packet</a:t>
+              </a:r>
+              <a:endParaRPr lang="zh-TW" altLang="en-US" sz="1000" dirty="0">
+                <a:solidFill>
+                  <a:schemeClr val="bg1"/>
+                </a:solidFill>
+                <a:latin typeface="Ubuntu Mono" panose="020B0509030602030204" pitchFamily="49" charset="0"/>
+              </a:endParaRPr>
+            </a:p>
+          </p:txBody>
+        </p:sp>
+        <p:sp>
+          <p:nvSpPr>
+            <p:cNvPr id="86" name="書卷 (垂直) 85"/>
+            <p:cNvSpPr/>
+            <p:nvPr/>
+          </p:nvSpPr>
+          <p:spPr>
+            <a:xfrm>
+              <a:off x="7679426" y="1557550"/>
+              <a:ext cx="700182" cy="538402"/>
+            </a:xfrm>
+            <a:prstGeom prst="verticalScroll">
+              <a:avLst/>
+            </a:prstGeom>
+          </p:spPr>
+          <p:style>
+            <a:lnRef idx="1">
+              <a:schemeClr val="accent5"/>
+            </a:lnRef>
+            <a:fillRef idx="2">
+              <a:schemeClr val="accent5"/>
+            </a:fillRef>
+            <a:effectRef idx="1">
+              <a:schemeClr val="accent5"/>
+            </a:effectRef>
+            <a:fontRef idx="minor">
+              <a:schemeClr val="dk1"/>
+            </a:fontRef>
+          </p:style>
+          <p:txBody>
+            <a:bodyPr rtlCol="0" anchor="ctr"/>
+            <a:lstStyle/>
+            <a:p>
+              <a:pPr algn="ctr"/>
+              <a:r>
+                <a:rPr lang="en-US" altLang="zh-TW" sz="1000" dirty="0">
+                  <a:solidFill>
+                    <a:schemeClr val="bg1"/>
+                  </a:solidFill>
+                  <a:latin typeface="Ubuntu Mono" panose="020B0509030602030204" pitchFamily="49" charset="0"/>
+                </a:rPr>
+                <a:t>Data</a:t>
+              </a:r>
+              <a:br>
+                <a:rPr lang="en-US" altLang="zh-TW" sz="1000" dirty="0">
+                  <a:solidFill>
+                    <a:schemeClr val="bg1"/>
+                  </a:solidFill>
+                  <a:latin typeface="Ubuntu Mono" panose="020B0509030602030204" pitchFamily="49" charset="0"/>
+                </a:rPr>
+              </a:br>
+              <a:r>
+                <a:rPr lang="en-US" altLang="zh-TW" sz="1000" dirty="0">
+                  <a:solidFill>
+                    <a:schemeClr val="bg1"/>
+                  </a:solidFill>
+                  <a:latin typeface="Ubuntu Mono" panose="020B0509030602030204" pitchFamily="49" charset="0"/>
+                </a:rPr>
+                <a:t>Packet</a:t>
+              </a:r>
+              <a:endParaRPr lang="zh-TW" altLang="en-US" sz="1000" dirty="0">
+                <a:solidFill>
+                  <a:schemeClr val="bg1"/>
+                </a:solidFill>
+                <a:latin typeface="Ubuntu Mono" panose="020B0509030602030204" pitchFamily="49" charset="0"/>
+              </a:endParaRPr>
+            </a:p>
+          </p:txBody>
+        </p:sp>
+        <p:sp>
+          <p:nvSpPr>
+            <p:cNvPr id="87" name="書卷 (垂直) 86"/>
+            <p:cNvSpPr/>
+            <p:nvPr/>
+          </p:nvSpPr>
+          <p:spPr>
+            <a:xfrm>
+              <a:off x="8697565" y="423838"/>
+              <a:ext cx="700182" cy="538402"/>
+            </a:xfrm>
+            <a:prstGeom prst="verticalScroll">
+              <a:avLst/>
+            </a:prstGeom>
+          </p:spPr>
+          <p:style>
+            <a:lnRef idx="1">
+              <a:schemeClr val="accent5"/>
+            </a:lnRef>
+            <a:fillRef idx="2">
+              <a:schemeClr val="accent5"/>
+            </a:fillRef>
+            <a:effectRef idx="1">
+              <a:schemeClr val="accent5"/>
+            </a:effectRef>
+            <a:fontRef idx="minor">
+              <a:schemeClr val="dk1"/>
+            </a:fontRef>
+          </p:style>
+          <p:txBody>
+            <a:bodyPr rtlCol="0" anchor="ctr"/>
+            <a:lstStyle/>
+            <a:p>
+              <a:pPr algn="ctr"/>
+              <a:r>
+                <a:rPr lang="en-US" altLang="zh-TW" sz="1000" dirty="0">
+                  <a:solidFill>
+                    <a:schemeClr val="bg1"/>
+                  </a:solidFill>
+                  <a:latin typeface="Ubuntu Mono" panose="020B0509030602030204" pitchFamily="49" charset="0"/>
+                </a:rPr>
+                <a:t>Data</a:t>
+              </a:r>
+              <a:br>
+                <a:rPr lang="en-US" altLang="zh-TW" sz="1000" dirty="0">
+                  <a:solidFill>
+                    <a:schemeClr val="bg1"/>
+                  </a:solidFill>
+                  <a:latin typeface="Ubuntu Mono" panose="020B0509030602030204" pitchFamily="49" charset="0"/>
+                </a:rPr>
+              </a:br>
+              <a:r>
+                <a:rPr lang="en-US" altLang="zh-TW" sz="1000" dirty="0">
+                  <a:solidFill>
+                    <a:schemeClr val="bg1"/>
+                  </a:solidFill>
+                  <a:latin typeface="Ubuntu Mono" panose="020B0509030602030204" pitchFamily="49" charset="0"/>
+                </a:rPr>
+                <a:t>Packet</a:t>
+              </a:r>
+              <a:endParaRPr lang="zh-TW" altLang="en-US" sz="1000" dirty="0">
+                <a:solidFill>
+                  <a:schemeClr val="bg1"/>
+                </a:solidFill>
+                <a:latin typeface="Ubuntu Mono" panose="020B0509030602030204" pitchFamily="49" charset="0"/>
+              </a:endParaRPr>
+            </a:p>
+          </p:txBody>
+        </p:sp>
+        <p:sp>
+          <p:nvSpPr>
+            <p:cNvPr id="88" name="書卷 (垂直) 87"/>
+            <p:cNvSpPr/>
+            <p:nvPr/>
+          </p:nvSpPr>
+          <p:spPr>
+            <a:xfrm>
+              <a:off x="3867870" y="3097120"/>
+              <a:ext cx="700182" cy="538402"/>
+            </a:xfrm>
+            <a:prstGeom prst="verticalScroll">
+              <a:avLst/>
+            </a:prstGeom>
+          </p:spPr>
+          <p:style>
+            <a:lnRef idx="1">
+              <a:schemeClr val="accent5"/>
+            </a:lnRef>
+            <a:fillRef idx="2">
+              <a:schemeClr val="accent5"/>
+            </a:fillRef>
+            <a:effectRef idx="1">
+              <a:schemeClr val="accent5"/>
+            </a:effectRef>
+            <a:fontRef idx="minor">
+              <a:schemeClr val="dk1"/>
+            </a:fontRef>
+          </p:style>
+          <p:txBody>
+            <a:bodyPr rtlCol="0" anchor="ctr"/>
+            <a:lstStyle/>
+            <a:p>
+              <a:pPr algn="ctr"/>
+              <a:r>
+                <a:rPr lang="en-US" altLang="zh-TW" sz="1000" dirty="0">
+                  <a:solidFill>
+                    <a:schemeClr val="bg1"/>
+                  </a:solidFill>
+                  <a:latin typeface="Ubuntu Mono" panose="020B0509030602030204" pitchFamily="49" charset="0"/>
+                </a:rPr>
+                <a:t>Data</a:t>
+              </a:r>
+              <a:br>
+                <a:rPr lang="en-US" altLang="zh-TW" sz="1000" dirty="0">
+                  <a:solidFill>
+                    <a:schemeClr val="bg1"/>
+                  </a:solidFill>
+                  <a:latin typeface="Ubuntu Mono" panose="020B0509030602030204" pitchFamily="49" charset="0"/>
+                </a:rPr>
+              </a:br>
+              <a:r>
+                <a:rPr lang="en-US" altLang="zh-TW" sz="1000" dirty="0">
+                  <a:solidFill>
+                    <a:schemeClr val="bg1"/>
+                  </a:solidFill>
+                  <a:latin typeface="Ubuntu Mono" panose="020B0509030602030204" pitchFamily="49" charset="0"/>
+                </a:rPr>
+                <a:t>Packet</a:t>
+              </a:r>
+              <a:endParaRPr lang="zh-TW" altLang="en-US" sz="1000" dirty="0">
+                <a:solidFill>
+                  <a:schemeClr val="bg1"/>
+                </a:solidFill>
+                <a:latin typeface="Ubuntu Mono" panose="020B0509030602030204" pitchFamily="49" charset="0"/>
+              </a:endParaRPr>
+            </a:p>
+          </p:txBody>
+        </p:sp>
+        <p:sp>
+          <p:nvSpPr>
+            <p:cNvPr id="89" name="書卷 (垂直) 88"/>
+            <p:cNvSpPr/>
+            <p:nvPr/>
+          </p:nvSpPr>
+          <p:spPr>
+            <a:xfrm>
+              <a:off x="7307110" y="3083476"/>
+              <a:ext cx="700182" cy="538402"/>
+            </a:xfrm>
+            <a:prstGeom prst="verticalScroll">
+              <a:avLst/>
+            </a:prstGeom>
+          </p:spPr>
+          <p:style>
+            <a:lnRef idx="1">
+              <a:schemeClr val="accent5"/>
+            </a:lnRef>
+            <a:fillRef idx="2">
+              <a:schemeClr val="accent5"/>
+            </a:fillRef>
+            <a:effectRef idx="1">
+              <a:schemeClr val="accent5"/>
+            </a:effectRef>
+            <a:fontRef idx="minor">
+              <a:schemeClr val="dk1"/>
+            </a:fontRef>
+          </p:style>
+          <p:txBody>
+            <a:bodyPr rtlCol="0" anchor="ctr"/>
+            <a:lstStyle/>
+            <a:p>
+              <a:pPr algn="ctr"/>
+              <a:r>
+                <a:rPr lang="en-US" altLang="zh-TW" sz="1000" dirty="0">
+                  <a:solidFill>
+                    <a:schemeClr val="bg1"/>
+                  </a:solidFill>
+                  <a:latin typeface="Ubuntu Mono" panose="020B0509030602030204" pitchFamily="49" charset="0"/>
+                </a:rPr>
+                <a:t>Data</a:t>
+              </a:r>
+              <a:br>
+                <a:rPr lang="en-US" altLang="zh-TW" sz="1000" dirty="0">
+                  <a:solidFill>
+                    <a:schemeClr val="bg1"/>
+                  </a:solidFill>
+                  <a:latin typeface="Ubuntu Mono" panose="020B0509030602030204" pitchFamily="49" charset="0"/>
+                </a:rPr>
+              </a:br>
+              <a:r>
+                <a:rPr lang="en-US" altLang="zh-TW" sz="1000" dirty="0">
+                  <a:solidFill>
+                    <a:schemeClr val="bg1"/>
+                  </a:solidFill>
+                  <a:latin typeface="Ubuntu Mono" panose="020B0509030602030204" pitchFamily="49" charset="0"/>
+                </a:rPr>
+                <a:t>Packet</a:t>
+              </a:r>
+              <a:endParaRPr lang="zh-TW" altLang="en-US" sz="1000" dirty="0">
+                <a:solidFill>
+                  <a:schemeClr val="bg1"/>
+                </a:solidFill>
+                <a:latin typeface="Ubuntu Mono" panose="020B0509030602030204" pitchFamily="49" charset="0"/>
+              </a:endParaRPr>
+            </a:p>
+          </p:txBody>
+        </p:sp>
+        <p:sp>
+          <p:nvSpPr>
+            <p:cNvPr id="90" name="書卷 (垂直) 89"/>
+            <p:cNvSpPr/>
+            <p:nvPr/>
+          </p:nvSpPr>
+          <p:spPr>
+            <a:xfrm>
+              <a:off x="3867870" y="5335366"/>
+              <a:ext cx="700182" cy="538402"/>
+            </a:xfrm>
+            <a:prstGeom prst="verticalScroll">
+              <a:avLst/>
+            </a:prstGeom>
+          </p:spPr>
+          <p:style>
+            <a:lnRef idx="1">
+              <a:schemeClr val="accent5"/>
+            </a:lnRef>
+            <a:fillRef idx="2">
+              <a:schemeClr val="accent5"/>
+            </a:fillRef>
+            <a:effectRef idx="1">
+              <a:schemeClr val="accent5"/>
+            </a:effectRef>
+            <a:fontRef idx="minor">
+              <a:schemeClr val="dk1"/>
+            </a:fontRef>
+          </p:style>
+          <p:txBody>
+            <a:bodyPr rtlCol="0" anchor="ctr"/>
+            <a:lstStyle/>
+            <a:p>
+              <a:pPr algn="ctr"/>
+              <a:r>
+                <a:rPr lang="en-US" altLang="zh-TW" sz="1000" dirty="0">
+                  <a:solidFill>
+                    <a:schemeClr val="bg1"/>
+                  </a:solidFill>
+                  <a:latin typeface="Ubuntu Mono" panose="020B0509030602030204" pitchFamily="49" charset="0"/>
+                </a:rPr>
+                <a:t>Data</a:t>
+              </a:r>
+              <a:br>
+                <a:rPr lang="en-US" altLang="zh-TW" sz="1000" dirty="0">
+                  <a:solidFill>
+                    <a:schemeClr val="bg1"/>
+                  </a:solidFill>
+                  <a:latin typeface="Ubuntu Mono" panose="020B0509030602030204" pitchFamily="49" charset="0"/>
+                </a:rPr>
+              </a:br>
+              <a:r>
+                <a:rPr lang="en-US" altLang="zh-TW" sz="1000" dirty="0">
+                  <a:solidFill>
+                    <a:schemeClr val="bg1"/>
+                  </a:solidFill>
+                  <a:latin typeface="Ubuntu Mono" panose="020B0509030602030204" pitchFamily="49" charset="0"/>
+                </a:rPr>
+                <a:t>Packet</a:t>
+              </a:r>
+              <a:endParaRPr lang="zh-TW" altLang="en-US" sz="1000" dirty="0">
+                <a:solidFill>
+                  <a:schemeClr val="bg1"/>
+                </a:solidFill>
+                <a:latin typeface="Ubuntu Mono" panose="020B0509030602030204" pitchFamily="49" charset="0"/>
+              </a:endParaRPr>
+            </a:p>
+          </p:txBody>
+        </p:sp>
+        <p:sp>
+          <p:nvSpPr>
+            <p:cNvPr id="92" name="書卷 (垂直) 91"/>
+            <p:cNvSpPr/>
+            <p:nvPr/>
+          </p:nvSpPr>
+          <p:spPr>
+            <a:xfrm>
+              <a:off x="7282088" y="5337638"/>
+              <a:ext cx="700182" cy="538402"/>
+            </a:xfrm>
+            <a:prstGeom prst="verticalScroll">
+              <a:avLst/>
+            </a:prstGeom>
+          </p:spPr>
+          <p:style>
+            <a:lnRef idx="1">
+              <a:schemeClr val="accent5"/>
+            </a:lnRef>
+            <a:fillRef idx="2">
+              <a:schemeClr val="accent5"/>
+            </a:fillRef>
+            <a:effectRef idx="1">
+              <a:schemeClr val="accent5"/>
+            </a:effectRef>
+            <a:fontRef idx="minor">
+              <a:schemeClr val="dk1"/>
+            </a:fontRef>
+          </p:style>
+          <p:txBody>
+            <a:bodyPr rtlCol="0" anchor="ctr"/>
+            <a:lstStyle/>
+            <a:p>
+              <a:pPr algn="ctr"/>
+              <a:r>
+                <a:rPr lang="en-US" altLang="zh-TW" sz="1000" dirty="0">
+                  <a:solidFill>
+                    <a:schemeClr val="bg1"/>
+                  </a:solidFill>
+                  <a:latin typeface="Ubuntu Mono" panose="020B0509030602030204" pitchFamily="49" charset="0"/>
+                </a:rPr>
+                <a:t>Data</a:t>
+              </a:r>
+              <a:br>
+                <a:rPr lang="en-US" altLang="zh-TW" sz="1000" dirty="0">
+                  <a:solidFill>
+                    <a:schemeClr val="bg1"/>
+                  </a:solidFill>
+                  <a:latin typeface="Ubuntu Mono" panose="020B0509030602030204" pitchFamily="49" charset="0"/>
+                </a:rPr>
+              </a:br>
+              <a:r>
+                <a:rPr lang="en-US" altLang="zh-TW" sz="1000" dirty="0">
+                  <a:solidFill>
+                    <a:schemeClr val="bg1"/>
+                  </a:solidFill>
+                  <a:latin typeface="Ubuntu Mono" panose="020B0509030602030204" pitchFamily="49" charset="0"/>
+                </a:rPr>
+                <a:t>Packet</a:t>
+              </a:r>
+              <a:endParaRPr lang="zh-TW" altLang="en-US" sz="1000" dirty="0">
+                <a:solidFill>
+                  <a:schemeClr val="bg1"/>
+                </a:solidFill>
+                <a:latin typeface="Ubuntu Mono" panose="020B0509030602030204" pitchFamily="49" charset="0"/>
+              </a:endParaRPr>
+            </a:p>
+          </p:txBody>
+        </p:sp>
+      </p:grpSp>
+    </p:spTree>
+    <p:extLst>
+      <p:ext uri="{BB962C8B-B14F-4D97-AF65-F5344CB8AC3E}">
+        <p14:creationId xmlns:p14="http://schemas.microsoft.com/office/powerpoint/2010/main" val="2202418841"/>
+      </p:ext>
+    </p:extLst>
+  </p:cSld>
+  <p:clrMapOvr>
+    <a:masterClrMapping/>
+  </p:clrMapOvr>
+  <p:timing>
+    <p:tnLst>
+      <p:par>
+        <p:cTn id="1" dur="indefinite" restart="never" nodeType="tmRoot"/>
+      </p:par>
+    </p:tnLst>
+  </p:timing>
+</p:sld>
+</file>
+
+<file path=ppt/slides/slide2.xml><?xml version="1.0" encoding="utf-8"?>
+<p:sld xmlns:a="http://schemas.openxmlformats.org/drawingml/2006/main" xmlns:r="http://schemas.openxmlformats.org/officeDocument/2006/relationships" xmlns:p="http://schemas.openxmlformats.org/presentationml/2006/main">
+  <p:cSld>
+    <p:spTree>
+      <p:nvGrpSpPr>
+        <p:cNvPr id="1" name=""/>
+        <p:cNvGrpSpPr/>
+        <p:nvPr/>
+      </p:nvGrpSpPr>
+      <p:grpSpPr>
+        <a:xfrm>
+          <a:off x="0" y="0"/>
+          <a:ext cx="0" cy="0"/>
+          <a:chOff x="0" y="0"/>
+          <a:chExt cx="0" cy="0"/>
+        </a:xfrm>
+      </p:grpSpPr>
       <p:grpSp>
         <p:nvGrpSpPr>
           <p:cNvPr id="43" name="群組 42"/>
@@ -3379,7 +6438,7 @@
 </p:sld>
 </file>
 
-<file path=ppt/slides/slide2.xml><?xml version="1.0" encoding="utf-8"?>
+<file path=ppt/slides/slide3.xml><?xml version="1.0" encoding="utf-8"?>
 <p:sld xmlns:a="http://schemas.openxmlformats.org/drawingml/2006/main" xmlns:r="http://schemas.openxmlformats.org/officeDocument/2006/relationships" xmlns:p="http://schemas.openxmlformats.org/presentationml/2006/main">
   <p:cSld>
     <p:spTree>
@@ -3812,7 +6871,7 @@
 </p:sld>
 </file>
 
-<file path=ppt/slides/slide3.xml><?xml version="1.0" encoding="utf-8"?>
+<file path=ppt/slides/slide4.xml><?xml version="1.0" encoding="utf-8"?>
 <p:sld xmlns:a="http://schemas.openxmlformats.org/drawingml/2006/main" xmlns:r="http://schemas.openxmlformats.org/officeDocument/2006/relationships" xmlns:p="http://schemas.openxmlformats.org/presentationml/2006/main">
   <p:cSld>
     <p:spTree>
@@ -4238,7 +7297,7 @@
 </p:sld>
 </file>
 
-<file path=ppt/slides/slide4.xml><?xml version="1.0" encoding="utf-8"?>
+<file path=ppt/slides/slide5.xml><?xml version="1.0" encoding="utf-8"?>
 <p:sld xmlns:a="http://schemas.openxmlformats.org/drawingml/2006/main" xmlns:r="http://schemas.openxmlformats.org/officeDocument/2006/relationships" xmlns:p="http://schemas.openxmlformats.org/presentationml/2006/main">
   <p:cSld>
     <p:spTree>
@@ -4652,2166 +7711,6 @@
     <p:extLst>
       <p:ext uri="{BB962C8B-B14F-4D97-AF65-F5344CB8AC3E}">
         <p14:creationId xmlns:p14="http://schemas.microsoft.com/office/powerpoint/2010/main" val="1473829247"/>
-      </p:ext>
-    </p:extLst>
-  </p:cSld>
-  <p:clrMapOvr>
-    <a:masterClrMapping/>
-  </p:clrMapOvr>
-  <p:timing>
-    <p:tnLst>
-      <p:par>
-        <p:cTn id="1" dur="indefinite" restart="never" nodeType="tmRoot"/>
-      </p:par>
-    </p:tnLst>
-  </p:timing>
-</p:sld>
-</file>
-
-<file path=ppt/slides/slide5.xml><?xml version="1.0" encoding="utf-8"?>
-<p:sld xmlns:a="http://schemas.openxmlformats.org/drawingml/2006/main" xmlns:r="http://schemas.openxmlformats.org/officeDocument/2006/relationships" xmlns:p="http://schemas.openxmlformats.org/presentationml/2006/main">
-  <p:cSld>
-    <p:spTree>
-      <p:nvGrpSpPr>
-        <p:cNvPr id="1" name=""/>
-        <p:cNvGrpSpPr/>
-        <p:nvPr/>
-      </p:nvGrpSpPr>
-      <p:grpSpPr>
-        <a:xfrm>
-          <a:off x="0" y="0"/>
-          <a:ext cx="0" cy="0"/>
-          <a:chOff x="0" y="0"/>
-          <a:chExt cx="0" cy="0"/>
-        </a:xfrm>
-      </p:grpSpPr>
-      <p:grpSp>
-        <p:nvGrpSpPr>
-          <p:cNvPr id="132" name="群組 131"/>
-          <p:cNvGrpSpPr/>
-          <p:nvPr/>
-        </p:nvGrpSpPr>
-        <p:grpSpPr>
-          <a:xfrm>
-            <a:off x="-18764" y="332131"/>
-            <a:ext cx="12124707" cy="6292954"/>
-            <a:chOff x="-18764" y="332131"/>
-            <a:chExt cx="12124707" cy="6292954"/>
-          </a:xfrm>
-        </p:grpSpPr>
-        <p:sp>
-          <p:nvSpPr>
-            <p:cNvPr id="4" name="矩形 3"/>
-            <p:cNvSpPr/>
-            <p:nvPr/>
-          </p:nvSpPr>
-          <p:spPr>
-            <a:xfrm>
-              <a:off x="4843979" y="3599542"/>
-              <a:ext cx="2180929" cy="1045342"/>
-            </a:xfrm>
-            <a:prstGeom prst="rect">
-              <a:avLst/>
-            </a:prstGeom>
-          </p:spPr>
-          <p:style>
-            <a:lnRef idx="2">
-              <a:schemeClr val="accent5">
-                <a:shade val="50000"/>
-              </a:schemeClr>
-            </a:lnRef>
-            <a:fillRef idx="1">
-              <a:schemeClr val="accent5"/>
-            </a:fillRef>
-            <a:effectRef idx="0">
-              <a:schemeClr val="accent5"/>
-            </a:effectRef>
-            <a:fontRef idx="minor">
-              <a:schemeClr val="lt1"/>
-            </a:fontRef>
-          </p:style>
-          <p:txBody>
-            <a:bodyPr rtlCol="0" anchor="ctr"/>
-            <a:lstStyle/>
-            <a:p>
-              <a:pPr algn="ctr"/>
-              <a:r>
-                <a:rPr lang="en-US" altLang="zh-TW" dirty="0" err="1"/>
-                <a:t>DeviceManager</a:t>
-              </a:r>
-              <a:endParaRPr lang="zh-TW" altLang="en-US" dirty="0"/>
-            </a:p>
-          </p:txBody>
-        </p:sp>
-        <p:sp>
-          <p:nvSpPr>
-            <p:cNvPr id="5" name="矩形 4"/>
-            <p:cNvSpPr/>
-            <p:nvPr/>
-          </p:nvSpPr>
-          <p:spPr>
-            <a:xfrm>
-              <a:off x="4843980" y="5497519"/>
-              <a:ext cx="2180929" cy="1045342"/>
-            </a:xfrm>
-            <a:prstGeom prst="rect">
-              <a:avLst/>
-            </a:prstGeom>
-          </p:spPr>
-          <p:style>
-            <a:lnRef idx="2">
-              <a:schemeClr val="accent3">
-                <a:shade val="50000"/>
-              </a:schemeClr>
-            </a:lnRef>
-            <a:fillRef idx="1">
-              <a:schemeClr val="accent3"/>
-            </a:fillRef>
-            <a:effectRef idx="0">
-              <a:schemeClr val="accent3"/>
-            </a:effectRef>
-            <a:fontRef idx="minor">
-              <a:schemeClr val="lt1"/>
-            </a:fontRef>
-          </p:style>
-          <p:txBody>
-            <a:bodyPr rtlCol="0" anchor="ctr"/>
-            <a:lstStyle/>
-            <a:p>
-              <a:pPr algn="ctr"/>
-              <a:r>
-                <a:rPr lang="en-US" altLang="zh-TW" dirty="0" smtClean="0"/>
-                <a:t>UI</a:t>
-              </a:r>
-              <a:endParaRPr lang="zh-TW" altLang="en-US" dirty="0"/>
-            </a:p>
-          </p:txBody>
-        </p:sp>
-        <p:sp>
-          <p:nvSpPr>
-            <p:cNvPr id="13" name="矩形 12"/>
-            <p:cNvSpPr/>
-            <p:nvPr/>
-          </p:nvSpPr>
-          <p:spPr>
-            <a:xfrm>
-              <a:off x="4843979" y="911508"/>
-              <a:ext cx="2180929" cy="1045342"/>
-            </a:xfrm>
-            <a:prstGeom prst="rect">
-              <a:avLst/>
-            </a:prstGeom>
-          </p:spPr>
-          <p:style>
-            <a:lnRef idx="2">
-              <a:schemeClr val="accent2">
-                <a:shade val="50000"/>
-              </a:schemeClr>
-            </a:lnRef>
-            <a:fillRef idx="1">
-              <a:schemeClr val="accent2"/>
-            </a:fillRef>
-            <a:effectRef idx="0">
-              <a:schemeClr val="accent2"/>
-            </a:effectRef>
-            <a:fontRef idx="minor">
-              <a:schemeClr val="lt1"/>
-            </a:fontRef>
-          </p:style>
-          <p:txBody>
-            <a:bodyPr rtlCol="0" anchor="ctr"/>
-            <a:lstStyle/>
-            <a:p>
-              <a:pPr algn="ctr"/>
-              <a:r>
-                <a:rPr lang="en-US" altLang="zh-TW" dirty="0" smtClean="0"/>
-                <a:t>Core</a:t>
-              </a:r>
-              <a:endParaRPr lang="zh-TW" altLang="en-US" dirty="0"/>
-            </a:p>
-          </p:txBody>
-        </p:sp>
-        <p:sp>
-          <p:nvSpPr>
-            <p:cNvPr id="14" name="矩形 13"/>
-            <p:cNvSpPr/>
-            <p:nvPr/>
-          </p:nvSpPr>
-          <p:spPr>
-            <a:xfrm>
-              <a:off x="174039" y="1158251"/>
-              <a:ext cx="2180929" cy="1045342"/>
-            </a:xfrm>
-            <a:prstGeom prst="rect">
-              <a:avLst/>
-            </a:prstGeom>
-          </p:spPr>
-          <p:style>
-            <a:lnRef idx="3">
-              <a:schemeClr val="lt1"/>
-            </a:lnRef>
-            <a:fillRef idx="1">
-              <a:schemeClr val="accent6"/>
-            </a:fillRef>
-            <a:effectRef idx="1">
-              <a:schemeClr val="accent6"/>
-            </a:effectRef>
-            <a:fontRef idx="minor">
-              <a:schemeClr val="lt1"/>
-            </a:fontRef>
-          </p:style>
-          <p:txBody>
-            <a:bodyPr rtlCol="0" anchor="ctr"/>
-            <a:lstStyle/>
-            <a:p>
-              <a:pPr algn="ctr"/>
-              <a:r>
-                <a:rPr lang="en-US" altLang="zh-TW" dirty="0" smtClean="0"/>
-                <a:t>Sensor</a:t>
-              </a:r>
-              <a:endParaRPr lang="zh-TW" altLang="en-US" dirty="0"/>
-            </a:p>
-          </p:txBody>
-        </p:sp>
-        <p:sp>
-          <p:nvSpPr>
-            <p:cNvPr id="15" name="矩形 14"/>
-            <p:cNvSpPr/>
-            <p:nvPr/>
-          </p:nvSpPr>
-          <p:spPr>
-            <a:xfrm>
-              <a:off x="9753595" y="1158251"/>
-              <a:ext cx="2180929" cy="1045342"/>
-            </a:xfrm>
-            <a:prstGeom prst="rect">
-              <a:avLst/>
-            </a:prstGeom>
-          </p:spPr>
-          <p:style>
-            <a:lnRef idx="3">
-              <a:schemeClr val="lt1"/>
-            </a:lnRef>
-            <a:fillRef idx="1">
-              <a:schemeClr val="accent6"/>
-            </a:fillRef>
-            <a:effectRef idx="1">
-              <a:schemeClr val="accent6"/>
-            </a:effectRef>
-            <a:fontRef idx="minor">
-              <a:schemeClr val="lt1"/>
-            </a:fontRef>
-          </p:style>
-          <p:txBody>
-            <a:bodyPr rtlCol="0" anchor="ctr"/>
-            <a:lstStyle/>
-            <a:p>
-              <a:pPr algn="ctr"/>
-              <a:r>
-                <a:rPr lang="en-US" altLang="zh-TW" dirty="0" err="1" smtClean="0"/>
-                <a:t>Tranceiver</a:t>
-              </a:r>
-              <a:endParaRPr lang="zh-TW" altLang="en-US" dirty="0"/>
-            </a:p>
-          </p:txBody>
-        </p:sp>
-        <p:cxnSp>
-          <p:nvCxnSpPr>
-            <p:cNvPr id="27" name="肘形接點 26"/>
-            <p:cNvCxnSpPr>
-              <a:stCxn id="4" idx="1"/>
-              <a:endCxn id="13" idx="2"/>
-            </p:cNvCxnSpPr>
-            <p:nvPr/>
-          </p:nvCxnSpPr>
-          <p:spPr>
-            <a:xfrm rot="10800000" flipH="1">
-              <a:off x="4843978" y="1956851"/>
-              <a:ext cx="1090465" cy="2165363"/>
-            </a:xfrm>
-            <a:prstGeom prst="bentConnector4">
-              <a:avLst>
-                <a:gd name="adj1" fmla="val -20964"/>
-                <a:gd name="adj2" fmla="val 62069"/>
-              </a:avLst>
-            </a:prstGeom>
-            <a:ln>
-              <a:tailEnd type="triangle"/>
-            </a:ln>
-          </p:spPr>
-          <p:style>
-            <a:lnRef idx="1">
-              <a:schemeClr val="accent1"/>
-            </a:lnRef>
-            <a:fillRef idx="0">
-              <a:schemeClr val="accent1"/>
-            </a:fillRef>
-            <a:effectRef idx="0">
-              <a:schemeClr val="accent1"/>
-            </a:effectRef>
-            <a:fontRef idx="minor">
-              <a:schemeClr val="tx1"/>
-            </a:fontRef>
-          </p:style>
-        </p:cxnSp>
-        <p:cxnSp>
-          <p:nvCxnSpPr>
-            <p:cNvPr id="29" name="肘形接點 28"/>
-            <p:cNvCxnSpPr>
-              <a:stCxn id="13" idx="2"/>
-              <a:endCxn id="4" idx="3"/>
-            </p:cNvCxnSpPr>
-            <p:nvPr/>
-          </p:nvCxnSpPr>
-          <p:spPr>
-            <a:xfrm rot="16200000" flipH="1">
-              <a:off x="5396995" y="2494299"/>
-              <a:ext cx="2165363" cy="1090464"/>
-            </a:xfrm>
-            <a:prstGeom prst="bentConnector4">
-              <a:avLst>
-                <a:gd name="adj1" fmla="val 37931"/>
-                <a:gd name="adj2" fmla="val 120964"/>
-              </a:avLst>
-            </a:prstGeom>
-            <a:ln>
-              <a:prstDash val="dash"/>
-              <a:tailEnd type="triangle"/>
-            </a:ln>
-          </p:spPr>
-          <p:style>
-            <a:lnRef idx="1">
-              <a:schemeClr val="accent1"/>
-            </a:lnRef>
-            <a:fillRef idx="0">
-              <a:schemeClr val="accent1"/>
-            </a:fillRef>
-            <a:effectRef idx="0">
-              <a:schemeClr val="accent1"/>
-            </a:effectRef>
-            <a:fontRef idx="minor">
-              <a:schemeClr val="tx1"/>
-            </a:fontRef>
-          </p:style>
-        </p:cxnSp>
-        <p:cxnSp>
-          <p:nvCxnSpPr>
-            <p:cNvPr id="31" name="肘形接點 30"/>
-            <p:cNvCxnSpPr>
-              <a:stCxn id="5" idx="1"/>
-              <a:endCxn id="4" idx="2"/>
-            </p:cNvCxnSpPr>
-            <p:nvPr/>
-          </p:nvCxnSpPr>
-          <p:spPr>
-            <a:xfrm rot="10800000" flipH="1">
-              <a:off x="4843980" y="4644884"/>
-              <a:ext cx="1090464" cy="1375306"/>
-            </a:xfrm>
-            <a:prstGeom prst="bentConnector4">
-              <a:avLst>
-                <a:gd name="adj1" fmla="val -20964"/>
-                <a:gd name="adj2" fmla="val 69002"/>
-              </a:avLst>
-            </a:prstGeom>
-            <a:ln>
-              <a:tailEnd type="triangle"/>
-            </a:ln>
-          </p:spPr>
-          <p:style>
-            <a:lnRef idx="1">
-              <a:schemeClr val="accent1"/>
-            </a:lnRef>
-            <a:fillRef idx="0">
-              <a:schemeClr val="accent1"/>
-            </a:fillRef>
-            <a:effectRef idx="0">
-              <a:schemeClr val="accent1"/>
-            </a:effectRef>
-            <a:fontRef idx="minor">
-              <a:schemeClr val="tx1"/>
-            </a:fontRef>
-          </p:style>
-        </p:cxnSp>
-        <p:cxnSp>
-          <p:nvCxnSpPr>
-            <p:cNvPr id="33" name="肘形接點 32"/>
-            <p:cNvCxnSpPr>
-              <a:stCxn id="4" idx="2"/>
-              <a:endCxn id="5" idx="3"/>
-            </p:cNvCxnSpPr>
-            <p:nvPr/>
-          </p:nvCxnSpPr>
-          <p:spPr>
-            <a:xfrm rot="16200000" flipH="1">
-              <a:off x="5792023" y="4787304"/>
-              <a:ext cx="1375306" cy="1090465"/>
-            </a:xfrm>
-            <a:prstGeom prst="bentConnector4">
-              <a:avLst>
-                <a:gd name="adj1" fmla="val 30998"/>
-                <a:gd name="adj2" fmla="val 120964"/>
-              </a:avLst>
-            </a:prstGeom>
-            <a:ln>
-              <a:prstDash val="dash"/>
-              <a:tailEnd type="triangle"/>
-            </a:ln>
-          </p:spPr>
-          <p:style>
-            <a:lnRef idx="1">
-              <a:schemeClr val="accent1"/>
-            </a:lnRef>
-            <a:fillRef idx="0">
-              <a:schemeClr val="accent1"/>
-            </a:fillRef>
-            <a:effectRef idx="0">
-              <a:schemeClr val="accent1"/>
-            </a:effectRef>
-            <a:fontRef idx="minor">
-              <a:schemeClr val="tx1"/>
-            </a:fontRef>
-          </p:style>
-        </p:cxnSp>
-        <p:cxnSp>
-          <p:nvCxnSpPr>
-            <p:cNvPr id="39" name="肘形接點 38"/>
-            <p:cNvCxnSpPr>
-              <a:stCxn id="13" idx="0"/>
-              <a:endCxn id="15" idx="0"/>
-            </p:cNvCxnSpPr>
-            <p:nvPr/>
-          </p:nvCxnSpPr>
-          <p:spPr>
-            <a:xfrm rot="16200000" flipH="1">
-              <a:off x="8265880" y="-1419929"/>
-              <a:ext cx="246743" cy="4909616"/>
-            </a:xfrm>
-            <a:prstGeom prst="bentConnector3">
-              <a:avLst>
-                <a:gd name="adj1" fmla="val -92647"/>
-              </a:avLst>
-            </a:prstGeom>
-            <a:ln>
-              <a:tailEnd type="triangle"/>
-            </a:ln>
-          </p:spPr>
-          <p:style>
-            <a:lnRef idx="1">
-              <a:schemeClr val="accent1"/>
-            </a:lnRef>
-            <a:fillRef idx="0">
-              <a:schemeClr val="accent1"/>
-            </a:fillRef>
-            <a:effectRef idx="0">
-              <a:schemeClr val="accent1"/>
-            </a:effectRef>
-            <a:fontRef idx="minor">
-              <a:schemeClr val="tx1"/>
-            </a:fontRef>
-          </p:style>
-        </p:cxnSp>
-        <p:cxnSp>
-          <p:nvCxnSpPr>
-            <p:cNvPr id="45" name="肘形接點 44"/>
-            <p:cNvCxnSpPr>
-              <a:stCxn id="13" idx="0"/>
-              <a:endCxn id="14" idx="0"/>
-            </p:cNvCxnSpPr>
-            <p:nvPr/>
-          </p:nvCxnSpPr>
-          <p:spPr>
-            <a:xfrm rot="16200000" flipH="1" flipV="1">
-              <a:off x="3476102" y="-1300091"/>
-              <a:ext cx="246743" cy="4669940"/>
-            </a:xfrm>
-            <a:prstGeom prst="bentConnector3">
-              <a:avLst>
-                <a:gd name="adj1" fmla="val -92647"/>
-              </a:avLst>
-            </a:prstGeom>
-            <a:ln>
-              <a:tailEnd type="triangle"/>
-            </a:ln>
-          </p:spPr>
-          <p:style>
-            <a:lnRef idx="1">
-              <a:schemeClr val="accent1"/>
-            </a:lnRef>
-            <a:fillRef idx="0">
-              <a:schemeClr val="accent1"/>
-            </a:fillRef>
-            <a:effectRef idx="0">
-              <a:schemeClr val="accent1"/>
-            </a:effectRef>
-            <a:fontRef idx="minor">
-              <a:schemeClr val="tx1"/>
-            </a:fontRef>
-          </p:style>
-        </p:cxnSp>
-        <p:sp>
-          <p:nvSpPr>
-            <p:cNvPr id="46" name="矩形 45"/>
-            <p:cNvSpPr/>
-            <p:nvPr/>
-          </p:nvSpPr>
-          <p:spPr>
-            <a:xfrm>
-              <a:off x="2367588" y="3966896"/>
-              <a:ext cx="2249334" cy="307777"/>
-            </a:xfrm>
-            <a:prstGeom prst="rect">
-              <a:avLst/>
-            </a:prstGeom>
-          </p:spPr>
-          <p:txBody>
-            <a:bodyPr wrap="none">
-              <a:spAutoFit/>
-            </a:bodyPr>
-            <a:lstStyle/>
-            <a:p>
-              <a:r>
-                <a:rPr lang="en-US" altLang="zh-TW" sz="1400" dirty="0" err="1">
-                  <a:solidFill>
-                    <a:srgbClr val="7030A0"/>
-                  </a:solidFill>
-                  <a:latin typeface="Ubuntu Mono" panose="020B0509030602030204" pitchFamily="49" charset="0"/>
-                </a:rPr>
-                <a:t>DeviceManagerCoreSignal</a:t>
-              </a:r>
-              <a:endParaRPr lang="zh-TW" altLang="en-US" sz="1400" dirty="0">
-                <a:solidFill>
-                  <a:srgbClr val="7030A0"/>
-                </a:solidFill>
-                <a:latin typeface="Ubuntu Mono" panose="020B0509030602030204" pitchFamily="49" charset="0"/>
-              </a:endParaRPr>
-            </a:p>
-          </p:txBody>
-        </p:sp>
-        <p:sp>
-          <p:nvSpPr>
-            <p:cNvPr id="47" name="矩形 46"/>
-            <p:cNvSpPr/>
-            <p:nvPr/>
-          </p:nvSpPr>
-          <p:spPr>
-            <a:xfrm>
-              <a:off x="1739211" y="2639597"/>
-              <a:ext cx="2877711" cy="307777"/>
-            </a:xfrm>
-            <a:prstGeom prst="rect">
-              <a:avLst/>
-            </a:prstGeom>
-          </p:spPr>
-          <p:txBody>
-            <a:bodyPr wrap="none">
-              <a:spAutoFit/>
-            </a:bodyPr>
-            <a:lstStyle/>
-            <a:p>
-              <a:r>
-                <a:rPr lang="en-US" altLang="zh-TW" sz="1400" dirty="0" err="1">
-                  <a:solidFill>
-                    <a:schemeClr val="accent2">
-                      <a:lumMod val="50000"/>
-                    </a:schemeClr>
-                  </a:solidFill>
-                  <a:latin typeface="Ubuntu Mono" panose="020B0509030602030204" pitchFamily="49" charset="0"/>
-                </a:rPr>
-                <a:t>CoreDeviceManagerCollectionBus</a:t>
-              </a:r>
-              <a:endParaRPr lang="zh-TW" altLang="en-US" sz="1400" dirty="0">
-                <a:solidFill>
-                  <a:schemeClr val="accent2">
-                    <a:lumMod val="50000"/>
-                  </a:schemeClr>
-                </a:solidFill>
-                <a:latin typeface="Ubuntu Mono" panose="020B0509030602030204" pitchFamily="49" charset="0"/>
-              </a:endParaRPr>
-            </a:p>
-          </p:txBody>
-        </p:sp>
-        <p:cxnSp>
-          <p:nvCxnSpPr>
-            <p:cNvPr id="51" name="肘形接點 50"/>
-            <p:cNvCxnSpPr>
-              <a:stCxn id="14" idx="3"/>
-              <a:endCxn id="13" idx="1"/>
-            </p:cNvCxnSpPr>
-            <p:nvPr/>
-          </p:nvCxnSpPr>
-          <p:spPr>
-            <a:xfrm flipV="1">
-              <a:off x="2354968" y="1434179"/>
-              <a:ext cx="2489011" cy="246743"/>
-            </a:xfrm>
-            <a:prstGeom prst="bentConnector3">
-              <a:avLst/>
-            </a:prstGeom>
-            <a:ln>
-              <a:prstDash val="dash"/>
-              <a:tailEnd type="triangle"/>
-            </a:ln>
-          </p:spPr>
-          <p:style>
-            <a:lnRef idx="1">
-              <a:schemeClr val="accent1"/>
-            </a:lnRef>
-            <a:fillRef idx="0">
-              <a:schemeClr val="accent1"/>
-            </a:fillRef>
-            <a:effectRef idx="0">
-              <a:schemeClr val="accent1"/>
-            </a:effectRef>
-            <a:fontRef idx="minor">
-              <a:schemeClr val="tx1"/>
-            </a:fontRef>
-          </p:style>
-        </p:cxnSp>
-        <p:cxnSp>
-          <p:nvCxnSpPr>
-            <p:cNvPr id="53" name="肘形接點 52"/>
-            <p:cNvCxnSpPr>
-              <a:stCxn id="15" idx="1"/>
-              <a:endCxn id="13" idx="3"/>
-            </p:cNvCxnSpPr>
-            <p:nvPr/>
-          </p:nvCxnSpPr>
-          <p:spPr>
-            <a:xfrm rot="10800000">
-              <a:off x="7024909" y="1434180"/>
-              <a:ext cx="2728687" cy="246743"/>
-            </a:xfrm>
-            <a:prstGeom prst="bentConnector3">
-              <a:avLst/>
-            </a:prstGeom>
-            <a:ln>
-              <a:prstDash val="dash"/>
-              <a:tailEnd type="triangle"/>
-            </a:ln>
-          </p:spPr>
-          <p:style>
-            <a:lnRef idx="1">
-              <a:schemeClr val="accent1"/>
-            </a:lnRef>
-            <a:fillRef idx="0">
-              <a:schemeClr val="accent1"/>
-            </a:fillRef>
-            <a:effectRef idx="0">
-              <a:schemeClr val="accent1"/>
-            </a:effectRef>
-            <a:fontRef idx="minor">
-              <a:schemeClr val="tx1"/>
-            </a:fontRef>
-          </p:style>
-        </p:cxnSp>
-        <p:sp>
-          <p:nvSpPr>
-            <p:cNvPr id="56" name="矩形 55"/>
-            <p:cNvSpPr/>
-            <p:nvPr/>
-          </p:nvSpPr>
-          <p:spPr>
-            <a:xfrm>
-              <a:off x="7342518" y="2639596"/>
-              <a:ext cx="2249334" cy="307777"/>
-            </a:xfrm>
-            <a:prstGeom prst="rect">
-              <a:avLst/>
-            </a:prstGeom>
-          </p:spPr>
-          <p:txBody>
-            <a:bodyPr wrap="none">
-              <a:spAutoFit/>
-            </a:bodyPr>
-            <a:lstStyle/>
-            <a:p>
-              <a:r>
-                <a:rPr lang="en-US" altLang="zh-TW" sz="1400" dirty="0" err="1">
-                  <a:solidFill>
-                    <a:srgbClr val="7030A0"/>
-                  </a:solidFill>
-                  <a:latin typeface="Ubuntu Mono" panose="020B0509030602030204" pitchFamily="49" charset="0"/>
-                </a:rPr>
-                <a:t>CoreDeviceManagerSignal</a:t>
-              </a:r>
-              <a:endParaRPr lang="zh-TW" altLang="en-US" sz="1400" dirty="0">
-                <a:solidFill>
-                  <a:srgbClr val="7030A0"/>
-                </a:solidFill>
-                <a:latin typeface="Ubuntu Mono" panose="020B0509030602030204" pitchFamily="49" charset="0"/>
-              </a:endParaRPr>
-            </a:p>
-          </p:txBody>
-        </p:sp>
-        <p:sp>
-          <p:nvSpPr>
-            <p:cNvPr id="57" name="矩形 56"/>
-            <p:cNvSpPr/>
-            <p:nvPr/>
-          </p:nvSpPr>
-          <p:spPr>
-            <a:xfrm>
-              <a:off x="7342518" y="3958002"/>
-              <a:ext cx="2069797" cy="307777"/>
-            </a:xfrm>
-            <a:prstGeom prst="rect">
-              <a:avLst/>
-            </a:prstGeom>
-          </p:spPr>
-          <p:txBody>
-            <a:bodyPr wrap="none">
-              <a:spAutoFit/>
-            </a:bodyPr>
-            <a:lstStyle/>
-            <a:p>
-              <a:r>
-                <a:rPr lang="en-US" altLang="zh-TW" sz="1400" dirty="0" err="1">
-                  <a:solidFill>
-                    <a:schemeClr val="accent2">
-                      <a:lumMod val="50000"/>
-                    </a:schemeClr>
-                  </a:solidFill>
-                  <a:latin typeface="Ubuntu Mono" panose="020B0509030602030204" pitchFamily="49" charset="0"/>
-                </a:rPr>
-                <a:t>DeviceManagerCoreSlot</a:t>
-              </a:r>
-              <a:endParaRPr lang="zh-TW" altLang="en-US" sz="1400" dirty="0">
-                <a:solidFill>
-                  <a:schemeClr val="accent2">
-                    <a:lumMod val="50000"/>
-                  </a:schemeClr>
-                </a:solidFill>
-                <a:latin typeface="Ubuntu Mono" panose="020B0509030602030204" pitchFamily="49" charset="0"/>
-              </a:endParaRPr>
-            </a:p>
-          </p:txBody>
-        </p:sp>
-        <p:sp>
-          <p:nvSpPr>
-            <p:cNvPr id="58" name="矩形 57"/>
-            <p:cNvSpPr/>
-            <p:nvPr/>
-          </p:nvSpPr>
-          <p:spPr>
-            <a:xfrm>
-              <a:off x="-18764" y="818551"/>
-              <a:ext cx="1261884" cy="307777"/>
-            </a:xfrm>
-            <a:prstGeom prst="rect">
-              <a:avLst/>
-            </a:prstGeom>
-          </p:spPr>
-          <p:txBody>
-            <a:bodyPr wrap="none">
-              <a:spAutoFit/>
-            </a:bodyPr>
-            <a:lstStyle/>
-            <a:p>
-              <a:r>
-                <a:rPr lang="en-US" altLang="zh-TW" sz="1400" dirty="0" err="1">
-                  <a:solidFill>
-                    <a:schemeClr val="accent2">
-                      <a:lumMod val="50000"/>
-                    </a:schemeClr>
-                  </a:solidFill>
-                  <a:latin typeface="Ubuntu Mono" panose="020B0509030602030204" pitchFamily="49" charset="0"/>
-                </a:rPr>
-                <a:t>ReceieveData</a:t>
-              </a:r>
-              <a:endParaRPr lang="zh-TW" altLang="en-US" sz="1400" dirty="0">
-                <a:solidFill>
-                  <a:schemeClr val="accent2">
-                    <a:lumMod val="50000"/>
-                  </a:schemeClr>
-                </a:solidFill>
-                <a:latin typeface="Ubuntu Mono" panose="020B0509030602030204" pitchFamily="49" charset="0"/>
-              </a:endParaRPr>
-            </a:p>
-          </p:txBody>
-        </p:sp>
-        <p:sp>
-          <p:nvSpPr>
-            <p:cNvPr id="59" name="矩形 58"/>
-            <p:cNvSpPr/>
-            <p:nvPr/>
-          </p:nvSpPr>
-          <p:spPr>
-            <a:xfrm>
-              <a:off x="4499388" y="341050"/>
-              <a:ext cx="1351652" cy="307777"/>
-            </a:xfrm>
-            <a:prstGeom prst="rect">
-              <a:avLst/>
-            </a:prstGeom>
-          </p:spPr>
-          <p:txBody>
-            <a:bodyPr wrap="none">
-              <a:spAutoFit/>
-            </a:bodyPr>
-            <a:lstStyle/>
-            <a:p>
-              <a:r>
-                <a:rPr lang="en-US" altLang="zh-TW" sz="1400" dirty="0" err="1">
-                  <a:solidFill>
-                    <a:srgbClr val="7030A0"/>
-                  </a:solidFill>
-                  <a:latin typeface="Ubuntu Mono" panose="020B0509030602030204" pitchFamily="49" charset="0"/>
-                </a:rPr>
-                <a:t>CoreSensorBus</a:t>
-              </a:r>
-              <a:endParaRPr lang="zh-TW" altLang="en-US" sz="1400" dirty="0">
-                <a:solidFill>
-                  <a:srgbClr val="7030A0"/>
-                </a:solidFill>
-                <a:latin typeface="Ubuntu Mono" panose="020B0509030602030204" pitchFamily="49" charset="0"/>
-              </a:endParaRPr>
-            </a:p>
-          </p:txBody>
-        </p:sp>
-        <p:sp>
-          <p:nvSpPr>
-            <p:cNvPr id="60" name="矩形 59"/>
-            <p:cNvSpPr/>
-            <p:nvPr/>
-          </p:nvSpPr>
-          <p:spPr>
-            <a:xfrm>
-              <a:off x="2296070" y="1668171"/>
-              <a:ext cx="902811" cy="307777"/>
-            </a:xfrm>
-            <a:prstGeom prst="rect">
-              <a:avLst/>
-            </a:prstGeom>
-          </p:spPr>
-          <p:txBody>
-            <a:bodyPr wrap="none">
-              <a:spAutoFit/>
-            </a:bodyPr>
-            <a:lstStyle/>
-            <a:p>
-              <a:r>
-                <a:rPr lang="en-US" altLang="zh-TW" sz="1400" dirty="0" err="1">
-                  <a:solidFill>
-                    <a:srgbClr val="7030A0"/>
-                  </a:solidFill>
-                  <a:latin typeface="Ubuntu Mono" panose="020B0509030602030204" pitchFamily="49" charset="0"/>
-                </a:rPr>
-                <a:t>SendData</a:t>
-              </a:r>
-              <a:endParaRPr lang="zh-TW" altLang="en-US" sz="1400" dirty="0">
-                <a:solidFill>
-                  <a:srgbClr val="7030A0"/>
-                </a:solidFill>
-                <a:latin typeface="Ubuntu Mono" panose="020B0509030602030204" pitchFamily="49" charset="0"/>
-              </a:endParaRPr>
-            </a:p>
-          </p:txBody>
-        </p:sp>
-        <p:sp>
-          <p:nvSpPr>
-            <p:cNvPr id="61" name="矩形 60"/>
-            <p:cNvSpPr/>
-            <p:nvPr/>
-          </p:nvSpPr>
-          <p:spPr>
-            <a:xfrm>
-              <a:off x="3063615" y="1104216"/>
-              <a:ext cx="1800493" cy="307777"/>
-            </a:xfrm>
-            <a:prstGeom prst="rect">
-              <a:avLst/>
-            </a:prstGeom>
-          </p:spPr>
-          <p:txBody>
-            <a:bodyPr wrap="none">
-              <a:spAutoFit/>
-            </a:bodyPr>
-            <a:lstStyle/>
-            <a:p>
-              <a:r>
-                <a:rPr lang="en-US" altLang="zh-TW" sz="1400" dirty="0" err="1">
-                  <a:solidFill>
-                    <a:schemeClr val="accent2">
-                      <a:lumMod val="50000"/>
-                    </a:schemeClr>
-                  </a:solidFill>
-                  <a:latin typeface="Ubuntu Mono" panose="020B0509030602030204" pitchFamily="49" charset="0"/>
-                </a:rPr>
-                <a:t>CoreDataCollectBus</a:t>
-              </a:r>
-              <a:endParaRPr lang="zh-TW" altLang="en-US" sz="1400" dirty="0">
-                <a:solidFill>
-                  <a:schemeClr val="accent2">
-                    <a:lumMod val="50000"/>
-                  </a:schemeClr>
-                </a:solidFill>
-                <a:latin typeface="Ubuntu Mono" panose="020B0509030602030204" pitchFamily="49" charset="0"/>
-              </a:endParaRPr>
-            </a:p>
-          </p:txBody>
-        </p:sp>
-        <p:sp>
-          <p:nvSpPr>
-            <p:cNvPr id="62" name="矩形 61"/>
-            <p:cNvSpPr/>
-            <p:nvPr/>
-          </p:nvSpPr>
-          <p:spPr>
-            <a:xfrm>
-              <a:off x="8913818" y="1649072"/>
-              <a:ext cx="902811" cy="307777"/>
-            </a:xfrm>
-            <a:prstGeom prst="rect">
-              <a:avLst/>
-            </a:prstGeom>
-          </p:spPr>
-          <p:txBody>
-            <a:bodyPr wrap="none">
-              <a:spAutoFit/>
-            </a:bodyPr>
-            <a:lstStyle/>
-            <a:p>
-              <a:r>
-                <a:rPr lang="en-US" altLang="zh-TW" sz="1400" dirty="0" err="1">
-                  <a:solidFill>
-                    <a:srgbClr val="7030A0"/>
-                  </a:solidFill>
-                  <a:latin typeface="Ubuntu Mono" panose="020B0509030602030204" pitchFamily="49" charset="0"/>
-                </a:rPr>
-                <a:t>SendData</a:t>
-              </a:r>
-              <a:endParaRPr lang="zh-TW" altLang="en-US" sz="1400" dirty="0">
-                <a:solidFill>
-                  <a:srgbClr val="7030A0"/>
-                </a:solidFill>
-                <a:latin typeface="Ubuntu Mono" panose="020B0509030602030204" pitchFamily="49" charset="0"/>
-              </a:endParaRPr>
-            </a:p>
-          </p:txBody>
-        </p:sp>
-        <p:sp>
-          <p:nvSpPr>
-            <p:cNvPr id="63" name="矩形 62"/>
-            <p:cNvSpPr/>
-            <p:nvPr/>
-          </p:nvSpPr>
-          <p:spPr>
-            <a:xfrm>
-              <a:off x="7022605" y="1073231"/>
-              <a:ext cx="2339102" cy="307777"/>
-            </a:xfrm>
-            <a:prstGeom prst="rect">
-              <a:avLst/>
-            </a:prstGeom>
-          </p:spPr>
-          <p:txBody>
-            <a:bodyPr wrap="none">
-              <a:spAutoFit/>
-            </a:bodyPr>
-            <a:lstStyle/>
-            <a:p>
-              <a:r>
-                <a:rPr lang="en-US" altLang="zh-TW" sz="1400" dirty="0" err="1">
-                  <a:solidFill>
-                    <a:schemeClr val="accent2">
-                      <a:lumMod val="50000"/>
-                    </a:schemeClr>
-                  </a:solidFill>
-                  <a:latin typeface="Ubuntu Mono" panose="020B0509030602030204" pitchFamily="49" charset="0"/>
-                </a:rPr>
-                <a:t>CoreTrancieverCollectBus</a:t>
-              </a:r>
-              <a:endParaRPr lang="zh-TW" altLang="en-US" sz="1400" dirty="0">
-                <a:solidFill>
-                  <a:schemeClr val="accent2">
-                    <a:lumMod val="50000"/>
-                  </a:schemeClr>
-                </a:solidFill>
-                <a:latin typeface="Ubuntu Mono" panose="020B0509030602030204" pitchFamily="49" charset="0"/>
-              </a:endParaRPr>
-            </a:p>
-          </p:txBody>
-        </p:sp>
-        <p:sp>
-          <p:nvSpPr>
-            <p:cNvPr id="64" name="矩形 63"/>
-            <p:cNvSpPr/>
-            <p:nvPr/>
-          </p:nvSpPr>
-          <p:spPr>
-            <a:xfrm>
-              <a:off x="5934443" y="332131"/>
-              <a:ext cx="1710725" cy="307777"/>
-            </a:xfrm>
-            <a:prstGeom prst="rect">
-              <a:avLst/>
-            </a:prstGeom>
-          </p:spPr>
-          <p:txBody>
-            <a:bodyPr wrap="none">
-              <a:spAutoFit/>
-            </a:bodyPr>
-            <a:lstStyle/>
-            <a:p>
-              <a:r>
-                <a:rPr lang="en-US" altLang="zh-TW" sz="1400" dirty="0" err="1">
-                  <a:solidFill>
-                    <a:srgbClr val="7030A0"/>
-                  </a:solidFill>
-                  <a:latin typeface="Ubuntu Mono" panose="020B0509030602030204" pitchFamily="49" charset="0"/>
-                </a:rPr>
-                <a:t>CoreTrancieverBus</a:t>
-              </a:r>
-              <a:endParaRPr lang="zh-TW" altLang="en-US" sz="1400" dirty="0">
-                <a:solidFill>
-                  <a:srgbClr val="7030A0"/>
-                </a:solidFill>
-                <a:latin typeface="Ubuntu Mono" panose="020B0509030602030204" pitchFamily="49" charset="0"/>
-              </a:endParaRPr>
-            </a:p>
-          </p:txBody>
-        </p:sp>
-        <p:sp>
-          <p:nvSpPr>
-            <p:cNvPr id="66" name="矩形 65"/>
-            <p:cNvSpPr/>
-            <p:nvPr/>
-          </p:nvSpPr>
-          <p:spPr>
-            <a:xfrm>
-              <a:off x="10844059" y="818551"/>
-              <a:ext cx="1261884" cy="307777"/>
-            </a:xfrm>
-            <a:prstGeom prst="rect">
-              <a:avLst/>
-            </a:prstGeom>
-          </p:spPr>
-          <p:txBody>
-            <a:bodyPr wrap="none">
-              <a:spAutoFit/>
-            </a:bodyPr>
-            <a:lstStyle/>
-            <a:p>
-              <a:r>
-                <a:rPr lang="en-US" altLang="zh-TW" sz="1400" dirty="0" err="1">
-                  <a:solidFill>
-                    <a:schemeClr val="accent2">
-                      <a:lumMod val="50000"/>
-                    </a:schemeClr>
-                  </a:solidFill>
-                  <a:latin typeface="Ubuntu Mono" panose="020B0509030602030204" pitchFamily="49" charset="0"/>
-                </a:rPr>
-                <a:t>ReceieveData</a:t>
-              </a:r>
-              <a:endParaRPr lang="zh-TW" altLang="en-US" sz="1400" dirty="0">
-                <a:solidFill>
-                  <a:schemeClr val="accent2">
-                    <a:lumMod val="50000"/>
-                  </a:schemeClr>
-                </a:solidFill>
-                <a:latin typeface="Ubuntu Mono" panose="020B0509030602030204" pitchFamily="49" charset="0"/>
-              </a:endParaRPr>
-            </a:p>
-          </p:txBody>
-        </p:sp>
-        <p:sp>
-          <p:nvSpPr>
-            <p:cNvPr id="67" name="矩形 66"/>
-            <p:cNvSpPr/>
-            <p:nvPr/>
-          </p:nvSpPr>
-          <p:spPr>
-            <a:xfrm>
-              <a:off x="2564574" y="5831352"/>
-              <a:ext cx="2069797" cy="307777"/>
-            </a:xfrm>
-            <a:prstGeom prst="rect">
-              <a:avLst/>
-            </a:prstGeom>
-          </p:spPr>
-          <p:txBody>
-            <a:bodyPr wrap="none">
-              <a:spAutoFit/>
-            </a:bodyPr>
-            <a:lstStyle/>
-            <a:p>
-              <a:r>
-                <a:rPr lang="en-US" altLang="zh-TW" sz="1400" dirty="0" err="1">
-                  <a:solidFill>
-                    <a:srgbClr val="7030A0"/>
-                  </a:solidFill>
-                  <a:latin typeface="Ubuntu Mono" panose="020B0509030602030204" pitchFamily="49" charset="0"/>
-                </a:rPr>
-                <a:t>UIDeviceManagerSignal</a:t>
-              </a:r>
-              <a:endParaRPr lang="zh-TW" altLang="en-US" sz="1400" dirty="0">
-                <a:solidFill>
-                  <a:srgbClr val="7030A0"/>
-                </a:solidFill>
-                <a:latin typeface="Ubuntu Mono" panose="020B0509030602030204" pitchFamily="49" charset="0"/>
-              </a:endParaRPr>
-            </a:p>
-          </p:txBody>
-        </p:sp>
-        <p:sp>
-          <p:nvSpPr>
-            <p:cNvPr id="68" name="矩形 67"/>
-            <p:cNvSpPr/>
-            <p:nvPr/>
-          </p:nvSpPr>
-          <p:spPr>
-            <a:xfrm>
-              <a:off x="2726661" y="4985819"/>
-              <a:ext cx="1890261" cy="307777"/>
-            </a:xfrm>
-            <a:prstGeom prst="rect">
-              <a:avLst/>
-            </a:prstGeom>
-          </p:spPr>
-          <p:txBody>
-            <a:bodyPr wrap="none">
-              <a:spAutoFit/>
-            </a:bodyPr>
-            <a:lstStyle/>
-            <a:p>
-              <a:r>
-                <a:rPr lang="en-US" altLang="zh-TW" sz="1400" dirty="0" err="1">
-                  <a:solidFill>
-                    <a:schemeClr val="accent2">
-                      <a:lumMod val="50000"/>
-                    </a:schemeClr>
-                  </a:solidFill>
-                  <a:latin typeface="Ubuntu Mono" panose="020B0509030602030204" pitchFamily="49" charset="0"/>
-                </a:rPr>
-                <a:t>DeviceManagerUISlot</a:t>
-              </a:r>
-              <a:endParaRPr lang="zh-TW" altLang="en-US" sz="1400" dirty="0">
-                <a:solidFill>
-                  <a:schemeClr val="accent2">
-                    <a:lumMod val="50000"/>
-                  </a:schemeClr>
-                </a:solidFill>
-                <a:latin typeface="Ubuntu Mono" panose="020B0509030602030204" pitchFamily="49" charset="0"/>
-              </a:endParaRPr>
-            </a:p>
-          </p:txBody>
-        </p:sp>
-        <p:sp>
-          <p:nvSpPr>
-            <p:cNvPr id="69" name="矩形 68"/>
-            <p:cNvSpPr/>
-            <p:nvPr/>
-          </p:nvSpPr>
-          <p:spPr>
-            <a:xfrm>
-              <a:off x="7268715" y="4896763"/>
-              <a:ext cx="2069797" cy="307777"/>
-            </a:xfrm>
-            <a:prstGeom prst="rect">
-              <a:avLst/>
-            </a:prstGeom>
-          </p:spPr>
-          <p:txBody>
-            <a:bodyPr wrap="none">
-              <a:spAutoFit/>
-            </a:bodyPr>
-            <a:lstStyle/>
-            <a:p>
-              <a:r>
-                <a:rPr lang="en-US" altLang="zh-TW" sz="1400" dirty="0" err="1">
-                  <a:solidFill>
-                    <a:srgbClr val="7030A0"/>
-                  </a:solidFill>
-                  <a:latin typeface="Ubuntu Mono" panose="020B0509030602030204" pitchFamily="49" charset="0"/>
-                </a:rPr>
-                <a:t>DeviceManagerUISignal</a:t>
-              </a:r>
-              <a:endParaRPr lang="zh-TW" altLang="en-US" sz="1400" dirty="0">
-                <a:solidFill>
-                  <a:srgbClr val="7030A0"/>
-                </a:solidFill>
-                <a:latin typeface="Ubuntu Mono" panose="020B0509030602030204" pitchFamily="49" charset="0"/>
-              </a:endParaRPr>
-            </a:p>
-          </p:txBody>
-        </p:sp>
-        <p:sp>
-          <p:nvSpPr>
-            <p:cNvPr id="70" name="矩形 69"/>
-            <p:cNvSpPr/>
-            <p:nvPr/>
-          </p:nvSpPr>
-          <p:spPr>
-            <a:xfrm>
-              <a:off x="7358482" y="5827961"/>
-              <a:ext cx="1890261" cy="307777"/>
-            </a:xfrm>
-            <a:prstGeom prst="rect">
-              <a:avLst/>
-            </a:prstGeom>
-          </p:spPr>
-          <p:txBody>
-            <a:bodyPr wrap="none">
-              <a:spAutoFit/>
-            </a:bodyPr>
-            <a:lstStyle/>
-            <a:p>
-              <a:r>
-                <a:rPr lang="en-US" altLang="zh-TW" sz="1400" dirty="0" err="1">
-                  <a:solidFill>
-                    <a:schemeClr val="accent2">
-                      <a:lumMod val="50000"/>
-                    </a:schemeClr>
-                  </a:solidFill>
-                  <a:latin typeface="Ubuntu Mono" panose="020B0509030602030204" pitchFamily="49" charset="0"/>
-                </a:rPr>
-                <a:t>UIDeviceManagerSlot</a:t>
-              </a:r>
-              <a:endParaRPr lang="zh-TW" altLang="en-US" sz="1400" dirty="0">
-                <a:solidFill>
-                  <a:schemeClr val="accent2">
-                    <a:lumMod val="50000"/>
-                  </a:schemeClr>
-                </a:solidFill>
-                <a:latin typeface="Ubuntu Mono" panose="020B0509030602030204" pitchFamily="49" charset="0"/>
-              </a:endParaRPr>
-            </a:p>
-          </p:txBody>
-        </p:sp>
-        <p:sp>
-          <p:nvSpPr>
-            <p:cNvPr id="71" name="矩形 70"/>
-            <p:cNvSpPr/>
-            <p:nvPr/>
-          </p:nvSpPr>
-          <p:spPr>
-            <a:xfrm>
-              <a:off x="6395473" y="1265697"/>
-              <a:ext cx="633507" cy="307777"/>
-            </a:xfrm>
-            <a:prstGeom prst="rect">
-              <a:avLst/>
-            </a:prstGeom>
-          </p:spPr>
-          <p:style>
-            <a:lnRef idx="1">
-              <a:schemeClr val="accent3"/>
-            </a:lnRef>
-            <a:fillRef idx="3">
-              <a:schemeClr val="accent3"/>
-            </a:fillRef>
-            <a:effectRef idx="2">
-              <a:schemeClr val="accent3"/>
-            </a:effectRef>
-            <a:fontRef idx="minor">
-              <a:schemeClr val="lt1"/>
-            </a:fontRef>
-          </p:style>
-          <p:txBody>
-            <a:bodyPr wrap="none">
-              <a:spAutoFit/>
-            </a:bodyPr>
-            <a:lstStyle/>
-            <a:p>
-              <a:r>
-                <a:rPr lang="en-US" altLang="zh-TW" sz="1400" dirty="0">
-                  <a:solidFill>
-                    <a:srgbClr val="7030A0"/>
-                  </a:solidFill>
-                  <a:latin typeface="Ubuntu Mono" panose="020B0509030602030204" pitchFamily="49" charset="0"/>
-                </a:rPr>
-                <a:t>parse</a:t>
-              </a:r>
-              <a:endParaRPr lang="zh-TW" altLang="en-US" sz="1400" dirty="0">
-                <a:solidFill>
-                  <a:srgbClr val="7030A0"/>
-                </a:solidFill>
-                <a:latin typeface="Ubuntu Mono" panose="020B0509030602030204" pitchFamily="49" charset="0"/>
-              </a:endParaRPr>
-            </a:p>
-          </p:txBody>
-        </p:sp>
-        <p:cxnSp>
-          <p:nvCxnSpPr>
-            <p:cNvPr id="73" name="肘形接點 72"/>
-            <p:cNvCxnSpPr>
-              <a:stCxn id="71" idx="0"/>
-              <a:endCxn id="59" idx="2"/>
-            </p:cNvCxnSpPr>
-            <p:nvPr/>
-          </p:nvCxnSpPr>
-          <p:spPr>
-            <a:xfrm rot="16200000" flipV="1">
-              <a:off x="5635286" y="188755"/>
-              <a:ext cx="616870" cy="1537013"/>
-            </a:xfrm>
-            <a:prstGeom prst="bentConnector3">
-              <a:avLst>
-                <a:gd name="adj1" fmla="val 24220"/>
-              </a:avLst>
-            </a:prstGeom>
-            <a:ln>
-              <a:solidFill>
-                <a:schemeClr val="bg1">
-                  <a:lumMod val="50000"/>
-                </a:schemeClr>
-              </a:solidFill>
-              <a:tailEnd type="triangle"/>
-            </a:ln>
-          </p:spPr>
-          <p:style>
-            <a:lnRef idx="1">
-              <a:schemeClr val="accent1"/>
-            </a:lnRef>
-            <a:fillRef idx="0">
-              <a:schemeClr val="accent1"/>
-            </a:fillRef>
-            <a:effectRef idx="0">
-              <a:schemeClr val="accent1"/>
-            </a:effectRef>
-            <a:fontRef idx="minor">
-              <a:schemeClr val="tx1"/>
-            </a:fontRef>
-          </p:style>
-        </p:cxnSp>
-        <p:sp>
-          <p:nvSpPr>
-            <p:cNvPr id="78" name="圓柱 77"/>
-            <p:cNvSpPr/>
-            <p:nvPr/>
-          </p:nvSpPr>
-          <p:spPr>
-            <a:xfrm>
-              <a:off x="97624" y="6135738"/>
-              <a:ext cx="1081535" cy="489347"/>
-            </a:xfrm>
-            <a:prstGeom prst="can">
-              <a:avLst/>
-            </a:prstGeom>
-          </p:spPr>
-          <p:style>
-            <a:lnRef idx="1">
-              <a:schemeClr val="accent2"/>
-            </a:lnRef>
-            <a:fillRef idx="2">
-              <a:schemeClr val="accent2"/>
-            </a:fillRef>
-            <a:effectRef idx="1">
-              <a:schemeClr val="accent2"/>
-            </a:effectRef>
-            <a:fontRef idx="minor">
-              <a:schemeClr val="dk1"/>
-            </a:fontRef>
-          </p:style>
-          <p:txBody>
-            <a:bodyPr wrap="square">
-              <a:spAutoFit/>
-            </a:bodyPr>
-            <a:lstStyle/>
-            <a:p>
-              <a:r>
-                <a:rPr lang="en-US" altLang="zh-TW" sz="1400" dirty="0">
-                  <a:solidFill>
-                    <a:schemeClr val="accent2">
-                      <a:lumMod val="50000"/>
-                    </a:schemeClr>
-                  </a:solidFill>
-                  <a:latin typeface="Ubuntu Mono" panose="020B0509030602030204" pitchFamily="49" charset="0"/>
-                </a:rPr>
-                <a:t>Repository</a:t>
-              </a:r>
-              <a:endParaRPr lang="zh-TW" altLang="en-US" sz="1400" dirty="0">
-                <a:solidFill>
-                  <a:schemeClr val="accent2">
-                    <a:lumMod val="50000"/>
-                  </a:schemeClr>
-                </a:solidFill>
-                <a:latin typeface="Ubuntu Mono" panose="020B0509030602030204" pitchFamily="49" charset="0"/>
-              </a:endParaRPr>
-            </a:p>
-          </p:txBody>
-        </p:sp>
-        <p:sp>
-          <p:nvSpPr>
-            <p:cNvPr id="83" name="矩形 82"/>
-            <p:cNvSpPr/>
-            <p:nvPr/>
-          </p:nvSpPr>
-          <p:spPr>
-            <a:xfrm>
-              <a:off x="97624" y="4807720"/>
-              <a:ext cx="1029108" cy="493262"/>
-            </a:xfrm>
-            <a:prstGeom prst="rect">
-              <a:avLst/>
-            </a:prstGeom>
-          </p:spPr>
-          <p:style>
-            <a:lnRef idx="3">
-              <a:schemeClr val="lt1"/>
-            </a:lnRef>
-            <a:fillRef idx="1">
-              <a:schemeClr val="accent6"/>
-            </a:fillRef>
-            <a:effectRef idx="1">
-              <a:schemeClr val="accent6"/>
-            </a:effectRef>
-            <a:fontRef idx="minor">
-              <a:schemeClr val="lt1"/>
-            </a:fontRef>
-          </p:style>
-          <p:txBody>
-            <a:bodyPr rtlCol="0" anchor="ctr"/>
-            <a:lstStyle/>
-            <a:p>
-              <a:pPr algn="ctr"/>
-              <a:r>
-                <a:rPr lang="en-US" altLang="zh-TW" sz="1000" dirty="0" smtClean="0">
-                  <a:latin typeface="Ubuntu Mono" panose="020B0509030602030204" pitchFamily="49" charset="0"/>
-                </a:rPr>
-                <a:t>Sensor</a:t>
-              </a:r>
-              <a:endParaRPr lang="zh-TW" altLang="en-US" sz="1000" dirty="0">
-                <a:latin typeface="Ubuntu Mono" panose="020B0509030602030204" pitchFamily="49" charset="0"/>
-              </a:endParaRPr>
-            </a:p>
-          </p:txBody>
-        </p:sp>
-        <p:sp>
-          <p:nvSpPr>
-            <p:cNvPr id="84" name="矩形 83"/>
-            <p:cNvSpPr/>
-            <p:nvPr/>
-          </p:nvSpPr>
-          <p:spPr>
-            <a:xfrm>
-              <a:off x="103398" y="5401254"/>
-              <a:ext cx="1023334" cy="483731"/>
-            </a:xfrm>
-            <a:prstGeom prst="rect">
-              <a:avLst/>
-            </a:prstGeom>
-          </p:spPr>
-          <p:style>
-            <a:lnRef idx="2">
-              <a:schemeClr val="accent2">
-                <a:shade val="50000"/>
-              </a:schemeClr>
-            </a:lnRef>
-            <a:fillRef idx="1">
-              <a:schemeClr val="accent2"/>
-            </a:fillRef>
-            <a:effectRef idx="0">
-              <a:schemeClr val="accent2"/>
-            </a:effectRef>
-            <a:fontRef idx="minor">
-              <a:schemeClr val="lt1"/>
-            </a:fontRef>
-          </p:style>
-          <p:txBody>
-            <a:bodyPr rtlCol="0" anchor="ctr"/>
-            <a:lstStyle/>
-            <a:p>
-              <a:pPr algn="ctr"/>
-              <a:r>
-                <a:rPr lang="en-US" altLang="zh-TW" sz="1000" dirty="0" smtClean="0">
-                  <a:latin typeface="Ubuntu Mono" panose="020B0509030602030204" pitchFamily="49" charset="0"/>
-                </a:rPr>
-                <a:t>Core</a:t>
-              </a:r>
-              <a:endParaRPr lang="zh-TW" altLang="en-US" sz="1000" dirty="0">
-                <a:latin typeface="Ubuntu Mono" panose="020B0509030602030204" pitchFamily="49" charset="0"/>
-              </a:endParaRPr>
-            </a:p>
-          </p:txBody>
-        </p:sp>
-        <p:sp>
-          <p:nvSpPr>
-            <p:cNvPr id="85" name="矩形 84"/>
-            <p:cNvSpPr/>
-            <p:nvPr/>
-          </p:nvSpPr>
-          <p:spPr>
-            <a:xfrm>
-              <a:off x="97624" y="4202688"/>
-              <a:ext cx="1017977" cy="485876"/>
-            </a:xfrm>
-            <a:prstGeom prst="rect">
-              <a:avLst/>
-            </a:prstGeom>
-          </p:spPr>
-          <p:style>
-            <a:lnRef idx="2">
-              <a:schemeClr val="accent5">
-                <a:shade val="50000"/>
-              </a:schemeClr>
-            </a:lnRef>
-            <a:fillRef idx="1">
-              <a:schemeClr val="accent5"/>
-            </a:fillRef>
-            <a:effectRef idx="0">
-              <a:schemeClr val="accent5"/>
-            </a:effectRef>
-            <a:fontRef idx="minor">
-              <a:schemeClr val="lt1"/>
-            </a:fontRef>
-          </p:style>
-          <p:txBody>
-            <a:bodyPr rtlCol="0" anchor="ctr"/>
-            <a:lstStyle/>
-            <a:p>
-              <a:pPr algn="ctr"/>
-              <a:r>
-                <a:rPr lang="en-US" altLang="zh-TW" sz="1000" dirty="0" err="1">
-                  <a:latin typeface="Ubuntu Mono" panose="020B0509030602030204" pitchFamily="49" charset="0"/>
-                </a:rPr>
-                <a:t>DeviceManager</a:t>
-              </a:r>
-              <a:endParaRPr lang="zh-TW" altLang="en-US" sz="1000" dirty="0">
-                <a:latin typeface="Ubuntu Mono" panose="020B0509030602030204" pitchFamily="49" charset="0"/>
-              </a:endParaRPr>
-            </a:p>
-          </p:txBody>
-        </p:sp>
-        <p:cxnSp>
-          <p:nvCxnSpPr>
-            <p:cNvPr id="91" name="肘形接點 90"/>
-            <p:cNvCxnSpPr>
-              <a:stCxn id="78" idx="4"/>
-              <a:endCxn id="85" idx="3"/>
-            </p:cNvCxnSpPr>
-            <p:nvPr/>
-          </p:nvCxnSpPr>
-          <p:spPr>
-            <a:xfrm flipH="1" flipV="1">
-              <a:off x="1115601" y="4445626"/>
-              <a:ext cx="63558" cy="1934786"/>
-            </a:xfrm>
-            <a:prstGeom prst="bentConnector3">
-              <a:avLst>
-                <a:gd name="adj1" fmla="val -234568"/>
-              </a:avLst>
-            </a:prstGeom>
-            <a:ln>
-              <a:headEnd type="triangle"/>
-              <a:tailEnd type="triangle"/>
-            </a:ln>
-          </p:spPr>
-          <p:style>
-            <a:lnRef idx="1">
-              <a:schemeClr val="accent1"/>
-            </a:lnRef>
-            <a:fillRef idx="0">
-              <a:schemeClr val="accent1"/>
-            </a:fillRef>
-            <a:effectRef idx="0">
-              <a:schemeClr val="accent1"/>
-            </a:effectRef>
-            <a:fontRef idx="minor">
-              <a:schemeClr val="tx1"/>
-            </a:fontRef>
-          </p:style>
-        </p:cxnSp>
-        <p:cxnSp>
-          <p:nvCxnSpPr>
-            <p:cNvPr id="93" name="肘形接點 92"/>
-            <p:cNvCxnSpPr>
-              <a:stCxn id="78" idx="1"/>
-              <a:endCxn id="83" idx="3"/>
-            </p:cNvCxnSpPr>
-            <p:nvPr/>
-          </p:nvCxnSpPr>
-          <p:spPr>
-            <a:xfrm rot="5400000" flipH="1" flipV="1">
-              <a:off x="341869" y="5350875"/>
-              <a:ext cx="1081387" cy="488340"/>
-            </a:xfrm>
-            <a:prstGeom prst="bentConnector4">
-              <a:avLst>
-                <a:gd name="adj1" fmla="val 11636"/>
-                <a:gd name="adj2" fmla="val 173949"/>
-              </a:avLst>
-            </a:prstGeom>
-            <a:ln>
-              <a:headEnd type="triangle"/>
-              <a:tailEnd type="triangle"/>
-            </a:ln>
-          </p:spPr>
-          <p:style>
-            <a:lnRef idx="1">
-              <a:schemeClr val="accent1"/>
-            </a:lnRef>
-            <a:fillRef idx="0">
-              <a:schemeClr val="accent1"/>
-            </a:fillRef>
-            <a:effectRef idx="0">
-              <a:schemeClr val="accent1"/>
-            </a:effectRef>
-            <a:fontRef idx="minor">
-              <a:schemeClr val="tx1"/>
-            </a:fontRef>
-          </p:style>
-        </p:cxnSp>
-        <p:cxnSp>
-          <p:nvCxnSpPr>
-            <p:cNvPr id="98" name="肘形接點 97"/>
-            <p:cNvCxnSpPr>
-              <a:stCxn id="78" idx="3"/>
-              <a:endCxn id="84" idx="3"/>
-            </p:cNvCxnSpPr>
-            <p:nvPr/>
-          </p:nvCxnSpPr>
-          <p:spPr>
-            <a:xfrm rot="5400000" flipH="1" flipV="1">
-              <a:off x="391579" y="5889933"/>
-              <a:ext cx="981965" cy="488340"/>
-            </a:xfrm>
-            <a:prstGeom prst="bentConnector4">
-              <a:avLst>
-                <a:gd name="adj1" fmla="val -13833"/>
-                <a:gd name="adj2" fmla="val 157547"/>
-              </a:avLst>
-            </a:prstGeom>
-            <a:ln>
-              <a:headEnd type="triangle"/>
-              <a:tailEnd type="triangle"/>
-            </a:ln>
-          </p:spPr>
-          <p:style>
-            <a:lnRef idx="1">
-              <a:schemeClr val="accent1"/>
-            </a:lnRef>
-            <a:fillRef idx="0">
-              <a:schemeClr val="accent1"/>
-            </a:fillRef>
-            <a:effectRef idx="0">
-              <a:schemeClr val="accent1"/>
-            </a:effectRef>
-            <a:fontRef idx="minor">
-              <a:schemeClr val="tx1"/>
-            </a:fontRef>
-          </p:style>
-        </p:cxnSp>
-        <p:sp>
-          <p:nvSpPr>
-            <p:cNvPr id="104" name="矩形 103"/>
-            <p:cNvSpPr/>
-            <p:nvPr/>
-          </p:nvSpPr>
-          <p:spPr>
-            <a:xfrm>
-              <a:off x="10954881" y="4929284"/>
-              <a:ext cx="1029108" cy="493262"/>
-            </a:xfrm>
-            <a:prstGeom prst="rect">
-              <a:avLst/>
-            </a:prstGeom>
-          </p:spPr>
-          <p:style>
-            <a:lnRef idx="3">
-              <a:schemeClr val="lt1"/>
-            </a:lnRef>
-            <a:fillRef idx="1">
-              <a:schemeClr val="accent6"/>
-            </a:fillRef>
-            <a:effectRef idx="1">
-              <a:schemeClr val="accent6"/>
-            </a:effectRef>
-            <a:fontRef idx="minor">
-              <a:schemeClr val="lt1"/>
-            </a:fontRef>
-          </p:style>
-          <p:txBody>
-            <a:bodyPr rtlCol="0" anchor="ctr"/>
-            <a:lstStyle/>
-            <a:p>
-              <a:pPr algn="ctr"/>
-              <a:r>
-                <a:rPr lang="en-US" altLang="zh-TW" sz="1000" dirty="0" smtClean="0">
-                  <a:latin typeface="Ubuntu Mono" panose="020B0509030602030204" pitchFamily="49" charset="0"/>
-                </a:rPr>
-                <a:t>Sensor</a:t>
-              </a:r>
-              <a:endParaRPr lang="zh-TW" altLang="en-US" sz="1000" dirty="0">
-                <a:latin typeface="Ubuntu Mono" panose="020B0509030602030204" pitchFamily="49" charset="0"/>
-              </a:endParaRPr>
-            </a:p>
-          </p:txBody>
-        </p:sp>
-        <p:sp>
-          <p:nvSpPr>
-            <p:cNvPr id="105" name="矩形 104"/>
-            <p:cNvSpPr/>
-            <p:nvPr/>
-          </p:nvSpPr>
-          <p:spPr>
-            <a:xfrm>
-              <a:off x="10960655" y="5536459"/>
-              <a:ext cx="1023334" cy="483731"/>
-            </a:xfrm>
-            <a:prstGeom prst="rect">
-              <a:avLst/>
-            </a:prstGeom>
-          </p:spPr>
-          <p:style>
-            <a:lnRef idx="2">
-              <a:schemeClr val="accent2">
-                <a:shade val="50000"/>
-              </a:schemeClr>
-            </a:lnRef>
-            <a:fillRef idx="1">
-              <a:schemeClr val="accent2"/>
-            </a:fillRef>
-            <a:effectRef idx="0">
-              <a:schemeClr val="accent2"/>
-            </a:effectRef>
-            <a:fontRef idx="minor">
-              <a:schemeClr val="lt1"/>
-            </a:fontRef>
-          </p:style>
-          <p:txBody>
-            <a:bodyPr rtlCol="0" anchor="ctr"/>
-            <a:lstStyle/>
-            <a:p>
-              <a:pPr algn="ctr"/>
-              <a:r>
-                <a:rPr lang="en-US" altLang="zh-TW" sz="1000" dirty="0" smtClean="0">
-                  <a:latin typeface="Ubuntu Mono" panose="020B0509030602030204" pitchFamily="49" charset="0"/>
-                </a:rPr>
-                <a:t>Core</a:t>
-              </a:r>
-              <a:endParaRPr lang="zh-TW" altLang="en-US" sz="1000" dirty="0">
-                <a:latin typeface="Ubuntu Mono" panose="020B0509030602030204" pitchFamily="49" charset="0"/>
-              </a:endParaRPr>
-            </a:p>
-          </p:txBody>
-        </p:sp>
-        <p:sp>
-          <p:nvSpPr>
-            <p:cNvPr id="106" name="矩形 105"/>
-            <p:cNvSpPr/>
-            <p:nvPr/>
-          </p:nvSpPr>
-          <p:spPr>
-            <a:xfrm>
-              <a:off x="10966012" y="6134103"/>
-              <a:ext cx="1017977" cy="485876"/>
-            </a:xfrm>
-            <a:prstGeom prst="rect">
-              <a:avLst/>
-            </a:prstGeom>
-          </p:spPr>
-          <p:style>
-            <a:lnRef idx="2">
-              <a:schemeClr val="accent5">
-                <a:shade val="50000"/>
-              </a:schemeClr>
-            </a:lnRef>
-            <a:fillRef idx="1">
-              <a:schemeClr val="accent5"/>
-            </a:fillRef>
-            <a:effectRef idx="0">
-              <a:schemeClr val="accent5"/>
-            </a:effectRef>
-            <a:fontRef idx="minor">
-              <a:schemeClr val="lt1"/>
-            </a:fontRef>
-          </p:style>
-          <p:txBody>
-            <a:bodyPr rtlCol="0" anchor="ctr"/>
-            <a:lstStyle/>
-            <a:p>
-              <a:pPr algn="ctr"/>
-              <a:r>
-                <a:rPr lang="en-US" altLang="zh-TW" sz="1000" dirty="0" err="1">
-                  <a:latin typeface="Ubuntu Mono" panose="020B0509030602030204" pitchFamily="49" charset="0"/>
-                </a:rPr>
-                <a:t>DeviceManager</a:t>
-              </a:r>
-              <a:endParaRPr lang="zh-TW" altLang="en-US" sz="1000" dirty="0">
-                <a:latin typeface="Ubuntu Mono" panose="020B0509030602030204" pitchFamily="49" charset="0"/>
-              </a:endParaRPr>
-            </a:p>
-          </p:txBody>
-        </p:sp>
-        <p:sp>
-          <p:nvSpPr>
-            <p:cNvPr id="107" name="矩形 106"/>
-            <p:cNvSpPr/>
-            <p:nvPr/>
-          </p:nvSpPr>
-          <p:spPr>
-            <a:xfrm>
-              <a:off x="10950214" y="4279647"/>
-              <a:ext cx="1029108" cy="493262"/>
-            </a:xfrm>
-            <a:prstGeom prst="rect">
-              <a:avLst/>
-            </a:prstGeom>
-          </p:spPr>
-          <p:style>
-            <a:lnRef idx="3">
-              <a:schemeClr val="lt1"/>
-            </a:lnRef>
-            <a:fillRef idx="1">
-              <a:schemeClr val="accent6"/>
-            </a:fillRef>
-            <a:effectRef idx="1">
-              <a:schemeClr val="accent6"/>
-            </a:effectRef>
-            <a:fontRef idx="minor">
-              <a:schemeClr val="lt1"/>
-            </a:fontRef>
-          </p:style>
-          <p:txBody>
-            <a:bodyPr rtlCol="0" anchor="ctr"/>
-            <a:lstStyle/>
-            <a:p>
-              <a:pPr algn="ctr"/>
-              <a:r>
-                <a:rPr lang="en-US" altLang="zh-TW" sz="1000" dirty="0" err="1" smtClean="0"/>
-                <a:t>Tranceiver</a:t>
-              </a:r>
-              <a:endParaRPr lang="zh-TW" altLang="en-US" sz="1000" dirty="0">
-                <a:latin typeface="Ubuntu Mono" panose="020B0509030602030204" pitchFamily="49" charset="0"/>
-              </a:endParaRPr>
-            </a:p>
-          </p:txBody>
-        </p:sp>
-        <p:sp>
-          <p:nvSpPr>
-            <p:cNvPr id="108" name="圓柱 107"/>
-            <p:cNvSpPr/>
-            <p:nvPr/>
-          </p:nvSpPr>
-          <p:spPr>
-            <a:xfrm>
-              <a:off x="10950214" y="3625288"/>
-              <a:ext cx="1081535" cy="489347"/>
-            </a:xfrm>
-            <a:prstGeom prst="can">
-              <a:avLst/>
-            </a:prstGeom>
-          </p:spPr>
-          <p:style>
-            <a:lnRef idx="1">
-              <a:schemeClr val="accent2"/>
-            </a:lnRef>
-            <a:fillRef idx="2">
-              <a:schemeClr val="accent2"/>
-            </a:fillRef>
-            <a:effectRef idx="1">
-              <a:schemeClr val="accent2"/>
-            </a:effectRef>
-            <a:fontRef idx="minor">
-              <a:schemeClr val="dk1"/>
-            </a:fontRef>
-          </p:style>
-          <p:txBody>
-            <a:bodyPr wrap="square">
-              <a:spAutoFit/>
-            </a:bodyPr>
-            <a:lstStyle/>
-            <a:p>
-              <a:r>
-                <a:rPr lang="en-US" altLang="zh-TW" sz="1400" dirty="0">
-                  <a:solidFill>
-                    <a:schemeClr val="accent2">
-                      <a:lumMod val="50000"/>
-                    </a:schemeClr>
-                  </a:solidFill>
-                  <a:latin typeface="Ubuntu Mono" panose="020B0509030602030204" pitchFamily="49" charset="0"/>
-                </a:rPr>
-                <a:t>Repository</a:t>
-              </a:r>
-              <a:endParaRPr lang="zh-TW" altLang="en-US" sz="1400" dirty="0">
-                <a:solidFill>
-                  <a:schemeClr val="accent2">
-                    <a:lumMod val="50000"/>
-                  </a:schemeClr>
-                </a:solidFill>
-                <a:latin typeface="Ubuntu Mono" panose="020B0509030602030204" pitchFamily="49" charset="0"/>
-              </a:endParaRPr>
-            </a:p>
-          </p:txBody>
-        </p:sp>
-        <p:cxnSp>
-          <p:nvCxnSpPr>
-            <p:cNvPr id="110" name="肘形接點 109"/>
-            <p:cNvCxnSpPr>
-              <a:stCxn id="106" idx="1"/>
-              <a:endCxn id="108" idx="2"/>
-            </p:cNvCxnSpPr>
-            <p:nvPr/>
-          </p:nvCxnSpPr>
-          <p:spPr>
-            <a:xfrm rot="10800000">
-              <a:off x="10950214" y="3869963"/>
-              <a:ext cx="15798" cy="2507079"/>
-            </a:xfrm>
-            <a:prstGeom prst="bentConnector3">
-              <a:avLst>
-                <a:gd name="adj1" fmla="val 3308602"/>
-              </a:avLst>
-            </a:prstGeom>
-            <a:ln>
-              <a:tailEnd type="triangle"/>
-            </a:ln>
-          </p:spPr>
-          <p:style>
-            <a:lnRef idx="1">
-              <a:schemeClr val="accent1"/>
-            </a:lnRef>
-            <a:fillRef idx="0">
-              <a:schemeClr val="accent1"/>
-            </a:fillRef>
-            <a:effectRef idx="0">
-              <a:schemeClr val="accent1"/>
-            </a:effectRef>
-            <a:fontRef idx="minor">
-              <a:schemeClr val="tx1"/>
-            </a:fontRef>
-          </p:style>
-        </p:cxnSp>
-        <p:cxnSp>
-          <p:nvCxnSpPr>
-            <p:cNvPr id="112" name="肘形接點 111"/>
-            <p:cNvCxnSpPr>
-              <a:stCxn id="106" idx="1"/>
-              <a:endCxn id="107" idx="1"/>
-            </p:cNvCxnSpPr>
-            <p:nvPr/>
-          </p:nvCxnSpPr>
-          <p:spPr>
-            <a:xfrm rot="10800000">
-              <a:off x="10950214" y="4526279"/>
-              <a:ext cx="15798" cy="1850763"/>
-            </a:xfrm>
-            <a:prstGeom prst="bentConnector3">
-              <a:avLst>
-                <a:gd name="adj1" fmla="val 2469762"/>
-              </a:avLst>
-            </a:prstGeom>
-            <a:ln>
-              <a:tailEnd type="triangle"/>
-            </a:ln>
-          </p:spPr>
-          <p:style>
-            <a:lnRef idx="1">
-              <a:schemeClr val="accent1"/>
-            </a:lnRef>
-            <a:fillRef idx="0">
-              <a:schemeClr val="accent1"/>
-            </a:fillRef>
-            <a:effectRef idx="0">
-              <a:schemeClr val="accent1"/>
-            </a:effectRef>
-            <a:fontRef idx="minor">
-              <a:schemeClr val="tx1"/>
-            </a:fontRef>
-          </p:style>
-        </p:cxnSp>
-        <p:cxnSp>
-          <p:nvCxnSpPr>
-            <p:cNvPr id="114" name="肘形接點 113"/>
-            <p:cNvCxnSpPr>
-              <a:stCxn id="106" idx="1"/>
-              <a:endCxn id="104" idx="1"/>
-            </p:cNvCxnSpPr>
-            <p:nvPr/>
-          </p:nvCxnSpPr>
-          <p:spPr>
-            <a:xfrm rot="10800000">
-              <a:off x="10954882" y="5175915"/>
-              <a:ext cx="11131" cy="1201126"/>
-            </a:xfrm>
-            <a:prstGeom prst="bentConnector3">
-              <a:avLst>
-                <a:gd name="adj1" fmla="val 2629952"/>
-              </a:avLst>
-            </a:prstGeom>
-            <a:ln>
-              <a:tailEnd type="triangle"/>
-            </a:ln>
-          </p:spPr>
-          <p:style>
-            <a:lnRef idx="1">
-              <a:schemeClr val="accent1"/>
-            </a:lnRef>
-            <a:fillRef idx="0">
-              <a:schemeClr val="accent1"/>
-            </a:fillRef>
-            <a:effectRef idx="0">
-              <a:schemeClr val="accent1"/>
-            </a:effectRef>
-            <a:fontRef idx="minor">
-              <a:schemeClr val="tx1"/>
-            </a:fontRef>
-          </p:style>
-        </p:cxnSp>
-        <p:cxnSp>
-          <p:nvCxnSpPr>
-            <p:cNvPr id="116" name="肘形接點 115"/>
-            <p:cNvCxnSpPr>
-              <a:stCxn id="106" idx="1"/>
-              <a:endCxn id="105" idx="1"/>
-            </p:cNvCxnSpPr>
-            <p:nvPr/>
-          </p:nvCxnSpPr>
-          <p:spPr>
-            <a:xfrm rot="10800000">
-              <a:off x="10960656" y="5778325"/>
-              <a:ext cx="5357" cy="598716"/>
-            </a:xfrm>
-            <a:prstGeom prst="bentConnector3">
-              <a:avLst>
-                <a:gd name="adj1" fmla="val 2883032"/>
-              </a:avLst>
-            </a:prstGeom>
-            <a:ln>
-              <a:tailEnd type="triangle"/>
-            </a:ln>
-          </p:spPr>
-          <p:style>
-            <a:lnRef idx="1">
-              <a:schemeClr val="accent1"/>
-            </a:lnRef>
-            <a:fillRef idx="0">
-              <a:schemeClr val="accent1"/>
-            </a:fillRef>
-            <a:effectRef idx="0">
-              <a:schemeClr val="accent1"/>
-            </a:effectRef>
-            <a:fontRef idx="minor">
-              <a:schemeClr val="tx1"/>
-            </a:fontRef>
-          </p:style>
-        </p:cxnSp>
-        <p:sp>
-          <p:nvSpPr>
-            <p:cNvPr id="125" name="矩形 124"/>
-            <p:cNvSpPr/>
-            <p:nvPr/>
-          </p:nvSpPr>
-          <p:spPr>
-            <a:xfrm>
-              <a:off x="9856156" y="5247365"/>
-              <a:ext cx="633507" cy="307777"/>
-            </a:xfrm>
-            <a:prstGeom prst="rect">
-              <a:avLst/>
-            </a:prstGeom>
-          </p:spPr>
-          <p:txBody>
-            <a:bodyPr wrap="none">
-              <a:spAutoFit/>
-            </a:bodyPr>
-            <a:lstStyle/>
-            <a:p>
-              <a:r>
-                <a:rPr lang="en-US" altLang="zh-TW" sz="1400" dirty="0" err="1" smtClean="0">
-                  <a:latin typeface="Ubuntu Mono" panose="020B0509030602030204" pitchFamily="49" charset="0"/>
-                </a:rPr>
-                <a:t>Init.</a:t>
-              </a:r>
-              <a:endParaRPr lang="zh-TW" altLang="en-US" sz="1400" dirty="0">
-                <a:latin typeface="Ubuntu Mono" panose="020B0509030602030204" pitchFamily="49" charset="0"/>
-              </a:endParaRPr>
-            </a:p>
-          </p:txBody>
-        </p:sp>
-        <p:sp>
-          <p:nvSpPr>
-            <p:cNvPr id="126" name="矩形 125"/>
-            <p:cNvSpPr/>
-            <p:nvPr/>
-          </p:nvSpPr>
-          <p:spPr>
-            <a:xfrm>
-              <a:off x="1422457" y="5489230"/>
-              <a:ext cx="813043" cy="307777"/>
-            </a:xfrm>
-            <a:prstGeom prst="rect">
-              <a:avLst/>
-            </a:prstGeom>
-          </p:spPr>
-          <p:txBody>
-            <a:bodyPr wrap="none">
-              <a:spAutoFit/>
-            </a:bodyPr>
-            <a:lstStyle/>
-            <a:p>
-              <a:r>
-                <a:rPr lang="en-US" altLang="zh-TW" sz="1400" dirty="0" smtClean="0">
-                  <a:latin typeface="Ubuntu Mono" panose="020B0509030602030204" pitchFamily="49" charset="0"/>
-                </a:rPr>
-                <a:t>Access.</a:t>
-              </a:r>
-              <a:endParaRPr lang="zh-TW" altLang="en-US" sz="1400" dirty="0">
-                <a:latin typeface="Ubuntu Mono" panose="020B0509030602030204" pitchFamily="49" charset="0"/>
-              </a:endParaRPr>
-            </a:p>
-          </p:txBody>
-        </p:sp>
-        <p:sp>
-          <p:nvSpPr>
-            <p:cNvPr id="131" name="矩形 130"/>
-            <p:cNvSpPr/>
-            <p:nvPr/>
-          </p:nvSpPr>
-          <p:spPr>
-            <a:xfrm>
-              <a:off x="222550" y="1867617"/>
-              <a:ext cx="992579" cy="307777"/>
-            </a:xfrm>
-            <a:prstGeom prst="rect">
-              <a:avLst/>
-            </a:prstGeom>
-          </p:spPr>
-          <p:style>
-            <a:lnRef idx="1">
-              <a:schemeClr val="accent1"/>
-            </a:lnRef>
-            <a:fillRef idx="3">
-              <a:schemeClr val="accent1"/>
-            </a:fillRef>
-            <a:effectRef idx="2">
-              <a:schemeClr val="accent1"/>
-            </a:effectRef>
-            <a:fontRef idx="minor">
-              <a:schemeClr val="lt1"/>
-            </a:fontRef>
-          </p:style>
-          <p:txBody>
-            <a:bodyPr wrap="none">
-              <a:spAutoFit/>
-            </a:bodyPr>
-            <a:lstStyle/>
-            <a:p>
-              <a:r>
-                <a:rPr lang="en-US" altLang="zh-TW" sz="1400" dirty="0" smtClean="0">
-                  <a:solidFill>
-                    <a:schemeClr val="bg1"/>
-                  </a:solidFill>
-                  <a:latin typeface="Ubuntu Mono" panose="020B0509030602030204" pitchFamily="49" charset="0"/>
-                </a:rPr>
-                <a:t>Algorithm</a:t>
-              </a:r>
-              <a:endParaRPr lang="zh-TW" altLang="en-US" sz="1400" dirty="0">
-                <a:solidFill>
-                  <a:schemeClr val="bg1"/>
-                </a:solidFill>
-                <a:latin typeface="Ubuntu Mono" panose="020B0509030602030204" pitchFamily="49" charset="0"/>
-              </a:endParaRPr>
-            </a:p>
-          </p:txBody>
-        </p:sp>
-      </p:grpSp>
-    </p:spTree>
-    <p:extLst>
-      <p:ext uri="{BB962C8B-B14F-4D97-AF65-F5344CB8AC3E}">
-        <p14:creationId xmlns:p14="http://schemas.microsoft.com/office/powerpoint/2010/main" val="2202418841"/>
       </p:ext>
     </p:extLst>
   </p:cSld>
